--- a/PPT/Class period 5.pptx
+++ b/PPT/Class period 5.pptx
@@ -213,9 +213,9 @@
             </a:lvl1pPr>
           </a:lstStyle>
           <a:p>
-            <a:fld id="{BAB934D7-C90F-4EAD-87DD-744B5F49AB99}" type="datetimeFigureOut">
+            <a:fld id="{D11BB789-42C9-49FC-9913-1BE5CD0C0F1F}" type="datetimeFigureOut">
               <a:rPr lang="en-US" smtClean="0"/>
-              <a:t>4/20/2024</a:t>
+              <a:t>5/15/2024</a:t>
             </a:fld>
             <a:endParaRPr lang="en-US"/>
           </a:p>
@@ -371,7 +371,7 @@
             </a:lvl1pPr>
           </a:lstStyle>
           <a:p>
-            <a:fld id="{F3CA00C6-425E-411C-9136-C22E8094DAF4}" type="slidenum">
+            <a:fld id="{CAA1485A-AA80-4F4F-87C2-01F958A137AF}" type="slidenum">
               <a:rPr lang="en-US" smtClean="0"/>
               <a:t>‹#›</a:t>
             </a:fld>
@@ -382,7 +382,7 @@
     </p:spTree>
     <p:extLst>
       <p:ext uri="{BB962C8B-B14F-4D97-AF65-F5344CB8AC3E}">
-        <p14:creationId xmlns:p14="http://schemas.microsoft.com/office/powerpoint/2010/main" val="380593680"/>
+        <p14:creationId xmlns:p14="http://schemas.microsoft.com/office/powerpoint/2010/main" val="3505225253"/>
       </p:ext>
     </p:extLst>
   </p:cSld>
@@ -672,7 +672,7 @@
           <p:cNvPr id="2" name="Title 1">
             <a:extLst>
               <a:ext uri="{FF2B5EF4-FFF2-40B4-BE49-F238E27FC236}">
-                <a16:creationId xmlns:a16="http://schemas.microsoft.com/office/drawing/2014/main" id="{04A633A9-22EB-BAEB-80CC-8D61D43F294C}"/>
+                <a16:creationId xmlns:a16="http://schemas.microsoft.com/office/drawing/2014/main" id="{698B5C7D-E94A-44D7-CC44-73AB7F3FDA30}"/>
               </a:ext>
             </a:extLst>
           </p:cNvPr>
@@ -709,7 +709,7 @@
           <p:cNvPr id="3" name="Subtitle 2">
             <a:extLst>
               <a:ext uri="{FF2B5EF4-FFF2-40B4-BE49-F238E27FC236}">
-                <a16:creationId xmlns:a16="http://schemas.microsoft.com/office/drawing/2014/main" id="{4C4D9482-A0FB-5217-6592-0523760FE14B}"/>
+                <a16:creationId xmlns:a16="http://schemas.microsoft.com/office/drawing/2014/main" id="{DCCD3F8F-C787-5E99-93FC-02A99B9B3060}"/>
               </a:ext>
             </a:extLst>
           </p:cNvPr>
@@ -779,7 +779,7 @@
           <p:cNvPr id="4" name="Date Placeholder 3">
             <a:extLst>
               <a:ext uri="{FF2B5EF4-FFF2-40B4-BE49-F238E27FC236}">
-                <a16:creationId xmlns:a16="http://schemas.microsoft.com/office/drawing/2014/main" id="{03AAC441-F4E6-FC42-A832-584550747050}"/>
+                <a16:creationId xmlns:a16="http://schemas.microsoft.com/office/drawing/2014/main" id="{95E6EE0D-CE91-90E1-D202-790AECD576C4}"/>
               </a:ext>
             </a:extLst>
           </p:cNvPr>
@@ -795,9 +795,9 @@
           <a:bodyPr/>
           <a:lstStyle/>
           <a:p>
-            <a:fld id="{C8925C8C-2D9D-477A-BAF1-8315E9791348}" type="datetimeFigureOut">
+            <a:fld id="{46782EE2-D377-479A-AF37-87C726AA7198}" type="datetimeFigureOut">
               <a:rPr lang="en-US" smtClean="0"/>
-              <a:t>4/20/2024</a:t>
+              <a:t>5/15/2024</a:t>
             </a:fld>
             <a:endParaRPr lang="en-US"/>
           </a:p>
@@ -808,7 +808,7 @@
           <p:cNvPr id="5" name="Footer Placeholder 4">
             <a:extLst>
               <a:ext uri="{FF2B5EF4-FFF2-40B4-BE49-F238E27FC236}">
-                <a16:creationId xmlns:a16="http://schemas.microsoft.com/office/drawing/2014/main" id="{93287B9A-ED68-4024-B5CE-D6CDCBE9977A}"/>
+                <a16:creationId xmlns:a16="http://schemas.microsoft.com/office/drawing/2014/main" id="{1BD72312-D2A6-0B0F-BFDF-184DBEFF6486}"/>
               </a:ext>
             </a:extLst>
           </p:cNvPr>
@@ -833,7 +833,7 @@
           <p:cNvPr id="6" name="Slide Number Placeholder 5">
             <a:extLst>
               <a:ext uri="{FF2B5EF4-FFF2-40B4-BE49-F238E27FC236}">
-                <a16:creationId xmlns:a16="http://schemas.microsoft.com/office/drawing/2014/main" id="{9A30649A-D7BA-51F2-AD9E-9D91D25F4405}"/>
+                <a16:creationId xmlns:a16="http://schemas.microsoft.com/office/drawing/2014/main" id="{A8BCD945-BB6A-73C1-C983-68FAC438E469}"/>
               </a:ext>
             </a:extLst>
           </p:cNvPr>
@@ -849,7 +849,7 @@
           <a:bodyPr/>
           <a:lstStyle/>
           <a:p>
-            <a:fld id="{74172A25-2414-4798-BD68-D5974EDCED6C}" type="slidenum">
+            <a:fld id="{04DB7035-EC30-4CBD-8FA3-B1405C93C770}" type="slidenum">
               <a:rPr lang="en-US" smtClean="0"/>
               <a:t>‹#›</a:t>
             </a:fld>
@@ -860,7 +860,7 @@
     </p:spTree>
     <p:extLst>
       <p:ext uri="{BB962C8B-B14F-4D97-AF65-F5344CB8AC3E}">
-        <p14:creationId xmlns:p14="http://schemas.microsoft.com/office/powerpoint/2010/main" val="1199403203"/>
+        <p14:creationId xmlns:p14="http://schemas.microsoft.com/office/powerpoint/2010/main" val="1183192230"/>
       </p:ext>
     </p:extLst>
   </p:cSld>
@@ -892,7 +892,7 @@
           <p:cNvPr id="2" name="Title 1">
             <a:extLst>
               <a:ext uri="{FF2B5EF4-FFF2-40B4-BE49-F238E27FC236}">
-                <a16:creationId xmlns:a16="http://schemas.microsoft.com/office/drawing/2014/main" id="{6FD8F863-2620-F8C0-168D-7E56D9392386}"/>
+                <a16:creationId xmlns:a16="http://schemas.microsoft.com/office/drawing/2014/main" id="{C54AE0F7-95F0-5E5A-741A-EFD78A05DD5B}"/>
               </a:ext>
             </a:extLst>
           </p:cNvPr>
@@ -920,7 +920,7 @@
           <p:cNvPr id="3" name="Vertical Text Placeholder 2">
             <a:extLst>
               <a:ext uri="{FF2B5EF4-FFF2-40B4-BE49-F238E27FC236}">
-                <a16:creationId xmlns:a16="http://schemas.microsoft.com/office/drawing/2014/main" id="{BFC86F1B-9078-1C6A-36F2-D53A2194C4ED}"/>
+                <a16:creationId xmlns:a16="http://schemas.microsoft.com/office/drawing/2014/main" id="{E13EC96B-2BCE-3FA4-027E-E8CEF6F07BC1}"/>
               </a:ext>
             </a:extLst>
           </p:cNvPr>
@@ -977,7 +977,7 @@
           <p:cNvPr id="4" name="Date Placeholder 3">
             <a:extLst>
               <a:ext uri="{FF2B5EF4-FFF2-40B4-BE49-F238E27FC236}">
-                <a16:creationId xmlns:a16="http://schemas.microsoft.com/office/drawing/2014/main" id="{1605D5B2-29A5-E8CE-787B-5BAB31ED236B}"/>
+                <a16:creationId xmlns:a16="http://schemas.microsoft.com/office/drawing/2014/main" id="{5DE2CA2E-9C01-6FBA-2B15-9DCA2805A9AA}"/>
               </a:ext>
             </a:extLst>
           </p:cNvPr>
@@ -993,9 +993,9 @@
           <a:bodyPr/>
           <a:lstStyle/>
           <a:p>
-            <a:fld id="{C8925C8C-2D9D-477A-BAF1-8315E9791348}" type="datetimeFigureOut">
+            <a:fld id="{46782EE2-D377-479A-AF37-87C726AA7198}" type="datetimeFigureOut">
               <a:rPr lang="en-US" smtClean="0"/>
-              <a:t>4/20/2024</a:t>
+              <a:t>5/15/2024</a:t>
             </a:fld>
             <a:endParaRPr lang="en-US"/>
           </a:p>
@@ -1006,7 +1006,7 @@
           <p:cNvPr id="5" name="Footer Placeholder 4">
             <a:extLst>
               <a:ext uri="{FF2B5EF4-FFF2-40B4-BE49-F238E27FC236}">
-                <a16:creationId xmlns:a16="http://schemas.microsoft.com/office/drawing/2014/main" id="{8F719E35-1A47-333F-A05F-2D17856839BF}"/>
+                <a16:creationId xmlns:a16="http://schemas.microsoft.com/office/drawing/2014/main" id="{017D6C7A-E0BC-8D66-C2C0-757392D01869}"/>
               </a:ext>
             </a:extLst>
           </p:cNvPr>
@@ -1031,7 +1031,7 @@
           <p:cNvPr id="6" name="Slide Number Placeholder 5">
             <a:extLst>
               <a:ext uri="{FF2B5EF4-FFF2-40B4-BE49-F238E27FC236}">
-                <a16:creationId xmlns:a16="http://schemas.microsoft.com/office/drawing/2014/main" id="{C262DB71-7244-5103-D035-A502D23F7C87}"/>
+                <a16:creationId xmlns:a16="http://schemas.microsoft.com/office/drawing/2014/main" id="{88837A41-E611-EDCD-1BCC-49A9A2448B1B}"/>
               </a:ext>
             </a:extLst>
           </p:cNvPr>
@@ -1047,7 +1047,7 @@
           <a:bodyPr/>
           <a:lstStyle/>
           <a:p>
-            <a:fld id="{74172A25-2414-4798-BD68-D5974EDCED6C}" type="slidenum">
+            <a:fld id="{04DB7035-EC30-4CBD-8FA3-B1405C93C770}" type="slidenum">
               <a:rPr lang="en-US" smtClean="0"/>
               <a:t>‹#›</a:t>
             </a:fld>
@@ -1058,7 +1058,7 @@
     </p:spTree>
     <p:extLst>
       <p:ext uri="{BB962C8B-B14F-4D97-AF65-F5344CB8AC3E}">
-        <p14:creationId xmlns:p14="http://schemas.microsoft.com/office/powerpoint/2010/main" val="3809353300"/>
+        <p14:creationId xmlns:p14="http://schemas.microsoft.com/office/powerpoint/2010/main" val="2475090914"/>
       </p:ext>
     </p:extLst>
   </p:cSld>
@@ -1090,7 +1090,7 @@
           <p:cNvPr id="2" name="Vertical Title 1">
             <a:extLst>
               <a:ext uri="{FF2B5EF4-FFF2-40B4-BE49-F238E27FC236}">
-                <a16:creationId xmlns:a16="http://schemas.microsoft.com/office/drawing/2014/main" id="{8433F4E9-86B9-1BCC-DBEC-FB20DA12A0ED}"/>
+                <a16:creationId xmlns:a16="http://schemas.microsoft.com/office/drawing/2014/main" id="{0A33AD31-A5BE-97E2-F8BD-03E98D28290E}"/>
               </a:ext>
             </a:extLst>
           </p:cNvPr>
@@ -1123,7 +1123,7 @@
           <p:cNvPr id="3" name="Vertical Text Placeholder 2">
             <a:extLst>
               <a:ext uri="{FF2B5EF4-FFF2-40B4-BE49-F238E27FC236}">
-                <a16:creationId xmlns:a16="http://schemas.microsoft.com/office/drawing/2014/main" id="{87B37D28-09B6-58EF-83AE-DAF30D64D608}"/>
+                <a16:creationId xmlns:a16="http://schemas.microsoft.com/office/drawing/2014/main" id="{4FE038C2-199B-79C5-76B5-88678B1A38E1}"/>
               </a:ext>
             </a:extLst>
           </p:cNvPr>
@@ -1185,7 +1185,7 @@
           <p:cNvPr id="4" name="Date Placeholder 3">
             <a:extLst>
               <a:ext uri="{FF2B5EF4-FFF2-40B4-BE49-F238E27FC236}">
-                <a16:creationId xmlns:a16="http://schemas.microsoft.com/office/drawing/2014/main" id="{68FA6C14-634A-6954-E85C-14C700C9773B}"/>
+                <a16:creationId xmlns:a16="http://schemas.microsoft.com/office/drawing/2014/main" id="{5E1377B0-12F4-0323-93AB-4FC696DC2B3B}"/>
               </a:ext>
             </a:extLst>
           </p:cNvPr>
@@ -1201,9 +1201,9 @@
           <a:bodyPr/>
           <a:lstStyle/>
           <a:p>
-            <a:fld id="{C8925C8C-2D9D-477A-BAF1-8315E9791348}" type="datetimeFigureOut">
+            <a:fld id="{46782EE2-D377-479A-AF37-87C726AA7198}" type="datetimeFigureOut">
               <a:rPr lang="en-US" smtClean="0"/>
-              <a:t>4/20/2024</a:t>
+              <a:t>5/15/2024</a:t>
             </a:fld>
             <a:endParaRPr lang="en-US"/>
           </a:p>
@@ -1214,7 +1214,7 @@
           <p:cNvPr id="5" name="Footer Placeholder 4">
             <a:extLst>
               <a:ext uri="{FF2B5EF4-FFF2-40B4-BE49-F238E27FC236}">
-                <a16:creationId xmlns:a16="http://schemas.microsoft.com/office/drawing/2014/main" id="{D6A1AC3B-4132-E1C2-8A12-B9B7FD3D7999}"/>
+                <a16:creationId xmlns:a16="http://schemas.microsoft.com/office/drawing/2014/main" id="{2A95C5A4-A1E3-5A4C-DDAC-6E6898708153}"/>
               </a:ext>
             </a:extLst>
           </p:cNvPr>
@@ -1239,7 +1239,7 @@
           <p:cNvPr id="6" name="Slide Number Placeholder 5">
             <a:extLst>
               <a:ext uri="{FF2B5EF4-FFF2-40B4-BE49-F238E27FC236}">
-                <a16:creationId xmlns:a16="http://schemas.microsoft.com/office/drawing/2014/main" id="{EAA13930-FA22-3CBC-4904-24A89CE6FB5C}"/>
+                <a16:creationId xmlns:a16="http://schemas.microsoft.com/office/drawing/2014/main" id="{ADE642DC-4B9C-051D-284E-004B76177F03}"/>
               </a:ext>
             </a:extLst>
           </p:cNvPr>
@@ -1255,7 +1255,7 @@
           <a:bodyPr/>
           <a:lstStyle/>
           <a:p>
-            <a:fld id="{74172A25-2414-4798-BD68-D5974EDCED6C}" type="slidenum">
+            <a:fld id="{04DB7035-EC30-4CBD-8FA3-B1405C93C770}" type="slidenum">
               <a:rPr lang="en-US" smtClean="0"/>
               <a:t>‹#›</a:t>
             </a:fld>
@@ -1266,7 +1266,7 @@
     </p:spTree>
     <p:extLst>
       <p:ext uri="{BB962C8B-B14F-4D97-AF65-F5344CB8AC3E}">
-        <p14:creationId xmlns:p14="http://schemas.microsoft.com/office/powerpoint/2010/main" val="2812678496"/>
+        <p14:creationId xmlns:p14="http://schemas.microsoft.com/office/powerpoint/2010/main" val="1379736206"/>
       </p:ext>
     </p:extLst>
   </p:cSld>
@@ -1298,7 +1298,7 @@
           <p:cNvPr id="2" name="Title 1">
             <a:extLst>
               <a:ext uri="{FF2B5EF4-FFF2-40B4-BE49-F238E27FC236}">
-                <a16:creationId xmlns:a16="http://schemas.microsoft.com/office/drawing/2014/main" id="{359B7080-8027-9E9B-1EA8-C817D51A31C2}"/>
+                <a16:creationId xmlns:a16="http://schemas.microsoft.com/office/drawing/2014/main" id="{D99BC808-D432-2429-C52A-285D85F7564C}"/>
               </a:ext>
             </a:extLst>
           </p:cNvPr>
@@ -1326,7 +1326,7 @@
           <p:cNvPr id="3" name="Content Placeholder 2">
             <a:extLst>
               <a:ext uri="{FF2B5EF4-FFF2-40B4-BE49-F238E27FC236}">
-                <a16:creationId xmlns:a16="http://schemas.microsoft.com/office/drawing/2014/main" id="{79B1EA64-9815-F5AE-915C-382C520BF69C}"/>
+                <a16:creationId xmlns:a16="http://schemas.microsoft.com/office/drawing/2014/main" id="{139D481A-2FF8-A28E-F368-ABA1D1CCB8F1}"/>
               </a:ext>
             </a:extLst>
           </p:cNvPr>
@@ -1383,7 +1383,7 @@
           <p:cNvPr id="4" name="Date Placeholder 3">
             <a:extLst>
               <a:ext uri="{FF2B5EF4-FFF2-40B4-BE49-F238E27FC236}">
-                <a16:creationId xmlns:a16="http://schemas.microsoft.com/office/drawing/2014/main" id="{D14C011C-C847-F7DA-8B35-BBC4F7617143}"/>
+                <a16:creationId xmlns:a16="http://schemas.microsoft.com/office/drawing/2014/main" id="{E264B4B6-D4EF-B575-CFA4-A917B84AA8A4}"/>
               </a:ext>
             </a:extLst>
           </p:cNvPr>
@@ -1399,9 +1399,9 @@
           <a:bodyPr/>
           <a:lstStyle/>
           <a:p>
-            <a:fld id="{C8925C8C-2D9D-477A-BAF1-8315E9791348}" type="datetimeFigureOut">
+            <a:fld id="{46782EE2-D377-479A-AF37-87C726AA7198}" type="datetimeFigureOut">
               <a:rPr lang="en-US" smtClean="0"/>
-              <a:t>4/20/2024</a:t>
+              <a:t>5/15/2024</a:t>
             </a:fld>
             <a:endParaRPr lang="en-US"/>
           </a:p>
@@ -1412,7 +1412,7 @@
           <p:cNvPr id="5" name="Footer Placeholder 4">
             <a:extLst>
               <a:ext uri="{FF2B5EF4-FFF2-40B4-BE49-F238E27FC236}">
-                <a16:creationId xmlns:a16="http://schemas.microsoft.com/office/drawing/2014/main" id="{9DFB4245-7621-3B96-7C92-A6E38FC7BC4F}"/>
+                <a16:creationId xmlns:a16="http://schemas.microsoft.com/office/drawing/2014/main" id="{A194CED5-81F0-A813-A728-748E98C3FC35}"/>
               </a:ext>
             </a:extLst>
           </p:cNvPr>
@@ -1437,7 +1437,7 @@
           <p:cNvPr id="6" name="Slide Number Placeholder 5">
             <a:extLst>
               <a:ext uri="{FF2B5EF4-FFF2-40B4-BE49-F238E27FC236}">
-                <a16:creationId xmlns:a16="http://schemas.microsoft.com/office/drawing/2014/main" id="{86A20BA8-B0E0-49EE-1ADE-161A4E9A4850}"/>
+                <a16:creationId xmlns:a16="http://schemas.microsoft.com/office/drawing/2014/main" id="{D4BA5003-E3C0-E778-518E-53DBC9A4A4B4}"/>
               </a:ext>
             </a:extLst>
           </p:cNvPr>
@@ -1453,7 +1453,7 @@
           <a:bodyPr/>
           <a:lstStyle/>
           <a:p>
-            <a:fld id="{74172A25-2414-4798-BD68-D5974EDCED6C}" type="slidenum">
+            <a:fld id="{04DB7035-EC30-4CBD-8FA3-B1405C93C770}" type="slidenum">
               <a:rPr lang="en-US" smtClean="0"/>
               <a:t>‹#›</a:t>
             </a:fld>
@@ -1464,7 +1464,7 @@
     </p:spTree>
     <p:extLst>
       <p:ext uri="{BB962C8B-B14F-4D97-AF65-F5344CB8AC3E}">
-        <p14:creationId xmlns:p14="http://schemas.microsoft.com/office/powerpoint/2010/main" val="4094481655"/>
+        <p14:creationId xmlns:p14="http://schemas.microsoft.com/office/powerpoint/2010/main" val="2424793201"/>
       </p:ext>
     </p:extLst>
   </p:cSld>
@@ -1496,7 +1496,7 @@
           <p:cNvPr id="2" name="Title 1">
             <a:extLst>
               <a:ext uri="{FF2B5EF4-FFF2-40B4-BE49-F238E27FC236}">
-                <a16:creationId xmlns:a16="http://schemas.microsoft.com/office/drawing/2014/main" id="{B42A563C-B34B-B7D1-858B-CCA342E3C18E}"/>
+                <a16:creationId xmlns:a16="http://schemas.microsoft.com/office/drawing/2014/main" id="{AC9E674A-29F3-E172-DCC0-AF4B9CC1869F}"/>
               </a:ext>
             </a:extLst>
           </p:cNvPr>
@@ -1533,7 +1533,7 @@
           <p:cNvPr id="3" name="Text Placeholder 2">
             <a:extLst>
               <a:ext uri="{FF2B5EF4-FFF2-40B4-BE49-F238E27FC236}">
-                <a16:creationId xmlns:a16="http://schemas.microsoft.com/office/drawing/2014/main" id="{EF3A0134-6035-6F05-15F5-F74582188316}"/>
+                <a16:creationId xmlns:a16="http://schemas.microsoft.com/office/drawing/2014/main" id="{7FF7244F-7631-D8C9-4D4D-5554233E4D4F}"/>
               </a:ext>
             </a:extLst>
           </p:cNvPr>
@@ -1658,7 +1658,7 @@
           <p:cNvPr id="4" name="Date Placeholder 3">
             <a:extLst>
               <a:ext uri="{FF2B5EF4-FFF2-40B4-BE49-F238E27FC236}">
-                <a16:creationId xmlns:a16="http://schemas.microsoft.com/office/drawing/2014/main" id="{490ED9CE-4865-3773-32E7-D813568D21C4}"/>
+                <a16:creationId xmlns:a16="http://schemas.microsoft.com/office/drawing/2014/main" id="{41395C53-A95F-C49E-B59B-1E4F6BB7697A}"/>
               </a:ext>
             </a:extLst>
           </p:cNvPr>
@@ -1674,9 +1674,9 @@
           <a:bodyPr/>
           <a:lstStyle/>
           <a:p>
-            <a:fld id="{C8925C8C-2D9D-477A-BAF1-8315E9791348}" type="datetimeFigureOut">
+            <a:fld id="{46782EE2-D377-479A-AF37-87C726AA7198}" type="datetimeFigureOut">
               <a:rPr lang="en-US" smtClean="0"/>
-              <a:t>4/20/2024</a:t>
+              <a:t>5/15/2024</a:t>
             </a:fld>
             <a:endParaRPr lang="en-US"/>
           </a:p>
@@ -1687,7 +1687,7 @@
           <p:cNvPr id="5" name="Footer Placeholder 4">
             <a:extLst>
               <a:ext uri="{FF2B5EF4-FFF2-40B4-BE49-F238E27FC236}">
-                <a16:creationId xmlns:a16="http://schemas.microsoft.com/office/drawing/2014/main" id="{7953E04F-2576-9E32-1CFF-F88F67328E99}"/>
+                <a16:creationId xmlns:a16="http://schemas.microsoft.com/office/drawing/2014/main" id="{CA28F47B-E12F-F8F9-78F2-2DA5D4D45F34}"/>
               </a:ext>
             </a:extLst>
           </p:cNvPr>
@@ -1712,7 +1712,7 @@
           <p:cNvPr id="6" name="Slide Number Placeholder 5">
             <a:extLst>
               <a:ext uri="{FF2B5EF4-FFF2-40B4-BE49-F238E27FC236}">
-                <a16:creationId xmlns:a16="http://schemas.microsoft.com/office/drawing/2014/main" id="{11EC8D89-F852-1D49-37E0-8F6B14FD5BA4}"/>
+                <a16:creationId xmlns:a16="http://schemas.microsoft.com/office/drawing/2014/main" id="{60C0E6BF-81B7-4CCD-66E7-1CDC37464086}"/>
               </a:ext>
             </a:extLst>
           </p:cNvPr>
@@ -1728,7 +1728,7 @@
           <a:bodyPr/>
           <a:lstStyle/>
           <a:p>
-            <a:fld id="{74172A25-2414-4798-BD68-D5974EDCED6C}" type="slidenum">
+            <a:fld id="{04DB7035-EC30-4CBD-8FA3-B1405C93C770}" type="slidenum">
               <a:rPr lang="en-US" smtClean="0"/>
               <a:t>‹#›</a:t>
             </a:fld>
@@ -1739,7 +1739,7 @@
     </p:spTree>
     <p:extLst>
       <p:ext uri="{BB962C8B-B14F-4D97-AF65-F5344CB8AC3E}">
-        <p14:creationId xmlns:p14="http://schemas.microsoft.com/office/powerpoint/2010/main" val="3824133463"/>
+        <p14:creationId xmlns:p14="http://schemas.microsoft.com/office/powerpoint/2010/main" val="3548228427"/>
       </p:ext>
     </p:extLst>
   </p:cSld>
@@ -1771,7 +1771,7 @@
           <p:cNvPr id="2" name="Title 1">
             <a:extLst>
               <a:ext uri="{FF2B5EF4-FFF2-40B4-BE49-F238E27FC236}">
-                <a16:creationId xmlns:a16="http://schemas.microsoft.com/office/drawing/2014/main" id="{9A36305C-57D4-32B5-61DA-30613F1B40AA}"/>
+                <a16:creationId xmlns:a16="http://schemas.microsoft.com/office/drawing/2014/main" id="{DDF46F01-9E03-FE58-3FF8-A9EB5CC873EC}"/>
               </a:ext>
             </a:extLst>
           </p:cNvPr>
@@ -1799,7 +1799,7 @@
           <p:cNvPr id="3" name="Content Placeholder 2">
             <a:extLst>
               <a:ext uri="{FF2B5EF4-FFF2-40B4-BE49-F238E27FC236}">
-                <a16:creationId xmlns:a16="http://schemas.microsoft.com/office/drawing/2014/main" id="{9E569BD0-B2C9-2355-1B6B-C141F45B0F74}"/>
+                <a16:creationId xmlns:a16="http://schemas.microsoft.com/office/drawing/2014/main" id="{714A7856-3051-DCAD-8108-1589B7313E97}"/>
               </a:ext>
             </a:extLst>
           </p:cNvPr>
@@ -1861,7 +1861,7 @@
           <p:cNvPr id="4" name="Content Placeholder 3">
             <a:extLst>
               <a:ext uri="{FF2B5EF4-FFF2-40B4-BE49-F238E27FC236}">
-                <a16:creationId xmlns:a16="http://schemas.microsoft.com/office/drawing/2014/main" id="{523FD7C3-B7E7-D685-B991-861474E22EB4}"/>
+                <a16:creationId xmlns:a16="http://schemas.microsoft.com/office/drawing/2014/main" id="{65F19AD8-827B-ED6E-4F88-FDB8510CBE29}"/>
               </a:ext>
             </a:extLst>
           </p:cNvPr>
@@ -1923,7 +1923,7 @@
           <p:cNvPr id="5" name="Date Placeholder 4">
             <a:extLst>
               <a:ext uri="{FF2B5EF4-FFF2-40B4-BE49-F238E27FC236}">
-                <a16:creationId xmlns:a16="http://schemas.microsoft.com/office/drawing/2014/main" id="{8AD3FDF2-236A-F12B-30F7-BCACA85D0649}"/>
+                <a16:creationId xmlns:a16="http://schemas.microsoft.com/office/drawing/2014/main" id="{7FB2E4E8-E01F-58AF-D7AC-9CA4F887F249}"/>
               </a:ext>
             </a:extLst>
           </p:cNvPr>
@@ -1939,9 +1939,9 @@
           <a:bodyPr/>
           <a:lstStyle/>
           <a:p>
-            <a:fld id="{C8925C8C-2D9D-477A-BAF1-8315E9791348}" type="datetimeFigureOut">
+            <a:fld id="{46782EE2-D377-479A-AF37-87C726AA7198}" type="datetimeFigureOut">
               <a:rPr lang="en-US" smtClean="0"/>
-              <a:t>4/20/2024</a:t>
+              <a:t>5/15/2024</a:t>
             </a:fld>
             <a:endParaRPr lang="en-US"/>
           </a:p>
@@ -1952,7 +1952,7 @@
           <p:cNvPr id="6" name="Footer Placeholder 5">
             <a:extLst>
               <a:ext uri="{FF2B5EF4-FFF2-40B4-BE49-F238E27FC236}">
-                <a16:creationId xmlns:a16="http://schemas.microsoft.com/office/drawing/2014/main" id="{23ED9E22-6410-FCF8-4A95-748C612DF408}"/>
+                <a16:creationId xmlns:a16="http://schemas.microsoft.com/office/drawing/2014/main" id="{D4E45D73-E89A-792A-6C32-7C3331EBD040}"/>
               </a:ext>
             </a:extLst>
           </p:cNvPr>
@@ -1977,7 +1977,7 @@
           <p:cNvPr id="7" name="Slide Number Placeholder 6">
             <a:extLst>
               <a:ext uri="{FF2B5EF4-FFF2-40B4-BE49-F238E27FC236}">
-                <a16:creationId xmlns:a16="http://schemas.microsoft.com/office/drawing/2014/main" id="{A8ADEBBE-D786-5771-E79B-57A85C6C34B8}"/>
+                <a16:creationId xmlns:a16="http://schemas.microsoft.com/office/drawing/2014/main" id="{E19AEE39-61A6-56B5-6FF8-E96DCE312673}"/>
               </a:ext>
             </a:extLst>
           </p:cNvPr>
@@ -1993,7 +1993,7 @@
           <a:bodyPr/>
           <a:lstStyle/>
           <a:p>
-            <a:fld id="{74172A25-2414-4798-BD68-D5974EDCED6C}" type="slidenum">
+            <a:fld id="{04DB7035-EC30-4CBD-8FA3-B1405C93C770}" type="slidenum">
               <a:rPr lang="en-US" smtClean="0"/>
               <a:t>‹#›</a:t>
             </a:fld>
@@ -2004,7 +2004,7 @@
     </p:spTree>
     <p:extLst>
       <p:ext uri="{BB962C8B-B14F-4D97-AF65-F5344CB8AC3E}">
-        <p14:creationId xmlns:p14="http://schemas.microsoft.com/office/powerpoint/2010/main" val="2655860057"/>
+        <p14:creationId xmlns:p14="http://schemas.microsoft.com/office/powerpoint/2010/main" val="1358425850"/>
       </p:ext>
     </p:extLst>
   </p:cSld>
@@ -2036,7 +2036,7 @@
           <p:cNvPr id="2" name="Title 1">
             <a:extLst>
               <a:ext uri="{FF2B5EF4-FFF2-40B4-BE49-F238E27FC236}">
-                <a16:creationId xmlns:a16="http://schemas.microsoft.com/office/drawing/2014/main" id="{FB5E35D3-1070-1D65-99B0-1DBCFE73EE4A}"/>
+                <a16:creationId xmlns:a16="http://schemas.microsoft.com/office/drawing/2014/main" id="{417CC5EF-F607-8E1B-A3AA-26A50D1F9837}"/>
               </a:ext>
             </a:extLst>
           </p:cNvPr>
@@ -2069,7 +2069,7 @@
           <p:cNvPr id="3" name="Text Placeholder 2">
             <a:extLst>
               <a:ext uri="{FF2B5EF4-FFF2-40B4-BE49-F238E27FC236}">
-                <a16:creationId xmlns:a16="http://schemas.microsoft.com/office/drawing/2014/main" id="{4D80FFCA-F0CC-03E5-AA97-EA65117A4B29}"/>
+                <a16:creationId xmlns:a16="http://schemas.microsoft.com/office/drawing/2014/main" id="{264889E8-F479-1E33-502B-87511BE03D60}"/>
               </a:ext>
             </a:extLst>
           </p:cNvPr>
@@ -2140,7 +2140,7 @@
           <p:cNvPr id="4" name="Content Placeholder 3">
             <a:extLst>
               <a:ext uri="{FF2B5EF4-FFF2-40B4-BE49-F238E27FC236}">
-                <a16:creationId xmlns:a16="http://schemas.microsoft.com/office/drawing/2014/main" id="{F67534B6-5115-D024-E1D9-A0DC51B32324}"/>
+                <a16:creationId xmlns:a16="http://schemas.microsoft.com/office/drawing/2014/main" id="{E3DACC28-7573-FFC2-0B86-553330F5E3C5}"/>
               </a:ext>
             </a:extLst>
           </p:cNvPr>
@@ -2202,7 +2202,7 @@
           <p:cNvPr id="5" name="Text Placeholder 4">
             <a:extLst>
               <a:ext uri="{FF2B5EF4-FFF2-40B4-BE49-F238E27FC236}">
-                <a16:creationId xmlns:a16="http://schemas.microsoft.com/office/drawing/2014/main" id="{3351447B-C5BD-CA61-9A51-10D477D34307}"/>
+                <a16:creationId xmlns:a16="http://schemas.microsoft.com/office/drawing/2014/main" id="{8D76B38F-19B1-81E0-8069-F25F1266919C}"/>
               </a:ext>
             </a:extLst>
           </p:cNvPr>
@@ -2273,7 +2273,7 @@
           <p:cNvPr id="6" name="Content Placeholder 5">
             <a:extLst>
               <a:ext uri="{FF2B5EF4-FFF2-40B4-BE49-F238E27FC236}">
-                <a16:creationId xmlns:a16="http://schemas.microsoft.com/office/drawing/2014/main" id="{D053120C-9E8C-216F-8777-CE791D9D4930}"/>
+                <a16:creationId xmlns:a16="http://schemas.microsoft.com/office/drawing/2014/main" id="{C8093820-812B-02AC-96E3-D2BD6A6877FB}"/>
               </a:ext>
             </a:extLst>
           </p:cNvPr>
@@ -2335,7 +2335,7 @@
           <p:cNvPr id="7" name="Date Placeholder 6">
             <a:extLst>
               <a:ext uri="{FF2B5EF4-FFF2-40B4-BE49-F238E27FC236}">
-                <a16:creationId xmlns:a16="http://schemas.microsoft.com/office/drawing/2014/main" id="{F737A4B0-20E4-16EC-4FF6-9ACD571CA2FC}"/>
+                <a16:creationId xmlns:a16="http://schemas.microsoft.com/office/drawing/2014/main" id="{8B1EFB4F-9A61-0752-4534-FA4A7ECEEB8C}"/>
               </a:ext>
             </a:extLst>
           </p:cNvPr>
@@ -2351,9 +2351,9 @@
           <a:bodyPr/>
           <a:lstStyle/>
           <a:p>
-            <a:fld id="{C8925C8C-2D9D-477A-BAF1-8315E9791348}" type="datetimeFigureOut">
+            <a:fld id="{46782EE2-D377-479A-AF37-87C726AA7198}" type="datetimeFigureOut">
               <a:rPr lang="en-US" smtClean="0"/>
-              <a:t>4/20/2024</a:t>
+              <a:t>5/15/2024</a:t>
             </a:fld>
             <a:endParaRPr lang="en-US"/>
           </a:p>
@@ -2364,7 +2364,7 @@
           <p:cNvPr id="8" name="Footer Placeholder 7">
             <a:extLst>
               <a:ext uri="{FF2B5EF4-FFF2-40B4-BE49-F238E27FC236}">
-                <a16:creationId xmlns:a16="http://schemas.microsoft.com/office/drawing/2014/main" id="{801F7121-1E8F-82E2-A4BC-0380A96F30BD}"/>
+                <a16:creationId xmlns:a16="http://schemas.microsoft.com/office/drawing/2014/main" id="{50727742-01C5-A9DC-056C-B9FA5B2FA4E7}"/>
               </a:ext>
             </a:extLst>
           </p:cNvPr>
@@ -2389,7 +2389,7 @@
           <p:cNvPr id="9" name="Slide Number Placeholder 8">
             <a:extLst>
               <a:ext uri="{FF2B5EF4-FFF2-40B4-BE49-F238E27FC236}">
-                <a16:creationId xmlns:a16="http://schemas.microsoft.com/office/drawing/2014/main" id="{56AD4EDD-3410-9249-D0E3-BAFA706C22F0}"/>
+                <a16:creationId xmlns:a16="http://schemas.microsoft.com/office/drawing/2014/main" id="{043D398C-9F54-258D-E569-D785076F1971}"/>
               </a:ext>
             </a:extLst>
           </p:cNvPr>
@@ -2405,7 +2405,7 @@
           <a:bodyPr/>
           <a:lstStyle/>
           <a:p>
-            <a:fld id="{74172A25-2414-4798-BD68-D5974EDCED6C}" type="slidenum">
+            <a:fld id="{04DB7035-EC30-4CBD-8FA3-B1405C93C770}" type="slidenum">
               <a:rPr lang="en-US" smtClean="0"/>
               <a:t>‹#›</a:t>
             </a:fld>
@@ -2416,7 +2416,7 @@
     </p:spTree>
     <p:extLst>
       <p:ext uri="{BB962C8B-B14F-4D97-AF65-F5344CB8AC3E}">
-        <p14:creationId xmlns:p14="http://schemas.microsoft.com/office/powerpoint/2010/main" val="1653672550"/>
+        <p14:creationId xmlns:p14="http://schemas.microsoft.com/office/powerpoint/2010/main" val="2592131097"/>
       </p:ext>
     </p:extLst>
   </p:cSld>
@@ -2448,7 +2448,7 @@
           <p:cNvPr id="2" name="Title 1">
             <a:extLst>
               <a:ext uri="{FF2B5EF4-FFF2-40B4-BE49-F238E27FC236}">
-                <a16:creationId xmlns:a16="http://schemas.microsoft.com/office/drawing/2014/main" id="{7ACBD0E0-8D71-4B88-C0DB-022F94D10652}"/>
+                <a16:creationId xmlns:a16="http://schemas.microsoft.com/office/drawing/2014/main" id="{49634274-7AC1-DE55-FCA9-9EAFBDF87BA4}"/>
               </a:ext>
             </a:extLst>
           </p:cNvPr>
@@ -2476,7 +2476,7 @@
           <p:cNvPr id="3" name="Date Placeholder 2">
             <a:extLst>
               <a:ext uri="{FF2B5EF4-FFF2-40B4-BE49-F238E27FC236}">
-                <a16:creationId xmlns:a16="http://schemas.microsoft.com/office/drawing/2014/main" id="{3A289E28-C9F2-9A82-60F2-0B2C3FAB928A}"/>
+                <a16:creationId xmlns:a16="http://schemas.microsoft.com/office/drawing/2014/main" id="{A584F4AD-B7E6-606C-7D34-C855D09B084D}"/>
               </a:ext>
             </a:extLst>
           </p:cNvPr>
@@ -2492,9 +2492,9 @@
           <a:bodyPr/>
           <a:lstStyle/>
           <a:p>
-            <a:fld id="{C8925C8C-2D9D-477A-BAF1-8315E9791348}" type="datetimeFigureOut">
+            <a:fld id="{46782EE2-D377-479A-AF37-87C726AA7198}" type="datetimeFigureOut">
               <a:rPr lang="en-US" smtClean="0"/>
-              <a:t>4/20/2024</a:t>
+              <a:t>5/15/2024</a:t>
             </a:fld>
             <a:endParaRPr lang="en-US"/>
           </a:p>
@@ -2505,7 +2505,7 @@
           <p:cNvPr id="4" name="Footer Placeholder 3">
             <a:extLst>
               <a:ext uri="{FF2B5EF4-FFF2-40B4-BE49-F238E27FC236}">
-                <a16:creationId xmlns:a16="http://schemas.microsoft.com/office/drawing/2014/main" id="{C0AE250C-11AC-D055-AB49-883C0E03EE04}"/>
+                <a16:creationId xmlns:a16="http://schemas.microsoft.com/office/drawing/2014/main" id="{A57FFA60-00C0-F20F-3CF1-06459D17A7ED}"/>
               </a:ext>
             </a:extLst>
           </p:cNvPr>
@@ -2530,7 +2530,7 @@
           <p:cNvPr id="5" name="Slide Number Placeholder 4">
             <a:extLst>
               <a:ext uri="{FF2B5EF4-FFF2-40B4-BE49-F238E27FC236}">
-                <a16:creationId xmlns:a16="http://schemas.microsoft.com/office/drawing/2014/main" id="{1DD41CB5-AF41-A322-2062-9CEA771B74C1}"/>
+                <a16:creationId xmlns:a16="http://schemas.microsoft.com/office/drawing/2014/main" id="{641157F1-9FA2-B6B9-C693-B636206310A2}"/>
               </a:ext>
             </a:extLst>
           </p:cNvPr>
@@ -2546,7 +2546,7 @@
           <a:bodyPr/>
           <a:lstStyle/>
           <a:p>
-            <a:fld id="{74172A25-2414-4798-BD68-D5974EDCED6C}" type="slidenum">
+            <a:fld id="{04DB7035-EC30-4CBD-8FA3-B1405C93C770}" type="slidenum">
               <a:rPr lang="en-US" smtClean="0"/>
               <a:t>‹#›</a:t>
             </a:fld>
@@ -2557,7 +2557,7 @@
     </p:spTree>
     <p:extLst>
       <p:ext uri="{BB962C8B-B14F-4D97-AF65-F5344CB8AC3E}">
-        <p14:creationId xmlns:p14="http://schemas.microsoft.com/office/powerpoint/2010/main" val="3358315188"/>
+        <p14:creationId xmlns:p14="http://schemas.microsoft.com/office/powerpoint/2010/main" val="1235012953"/>
       </p:ext>
     </p:extLst>
   </p:cSld>
@@ -2589,7 +2589,7 @@
           <p:cNvPr id="2" name="Date Placeholder 1">
             <a:extLst>
               <a:ext uri="{FF2B5EF4-FFF2-40B4-BE49-F238E27FC236}">
-                <a16:creationId xmlns:a16="http://schemas.microsoft.com/office/drawing/2014/main" id="{40F6C4D2-2AE5-4681-E13C-C10A88749DF5}"/>
+                <a16:creationId xmlns:a16="http://schemas.microsoft.com/office/drawing/2014/main" id="{8B024531-8670-8616-FC85-364EB16F604A}"/>
               </a:ext>
             </a:extLst>
           </p:cNvPr>
@@ -2605,9 +2605,9 @@
           <a:bodyPr/>
           <a:lstStyle/>
           <a:p>
-            <a:fld id="{C8925C8C-2D9D-477A-BAF1-8315E9791348}" type="datetimeFigureOut">
+            <a:fld id="{46782EE2-D377-479A-AF37-87C726AA7198}" type="datetimeFigureOut">
               <a:rPr lang="en-US" smtClean="0"/>
-              <a:t>4/20/2024</a:t>
+              <a:t>5/15/2024</a:t>
             </a:fld>
             <a:endParaRPr lang="en-US"/>
           </a:p>
@@ -2618,7 +2618,7 @@
           <p:cNvPr id="3" name="Footer Placeholder 2">
             <a:extLst>
               <a:ext uri="{FF2B5EF4-FFF2-40B4-BE49-F238E27FC236}">
-                <a16:creationId xmlns:a16="http://schemas.microsoft.com/office/drawing/2014/main" id="{F9BD91C6-1A6B-7BED-553F-0D5F196F7695}"/>
+                <a16:creationId xmlns:a16="http://schemas.microsoft.com/office/drawing/2014/main" id="{BE65ED5B-9023-3495-479D-DA283525DCE3}"/>
               </a:ext>
             </a:extLst>
           </p:cNvPr>
@@ -2643,7 +2643,7 @@
           <p:cNvPr id="4" name="Slide Number Placeholder 3">
             <a:extLst>
               <a:ext uri="{FF2B5EF4-FFF2-40B4-BE49-F238E27FC236}">
-                <a16:creationId xmlns:a16="http://schemas.microsoft.com/office/drawing/2014/main" id="{027B7605-2F52-DD5F-FCF2-E9BD9A6AC1B2}"/>
+                <a16:creationId xmlns:a16="http://schemas.microsoft.com/office/drawing/2014/main" id="{295DD648-FBAE-D5A7-E63B-75FF96A172EA}"/>
               </a:ext>
             </a:extLst>
           </p:cNvPr>
@@ -2659,7 +2659,7 @@
           <a:bodyPr/>
           <a:lstStyle/>
           <a:p>
-            <a:fld id="{74172A25-2414-4798-BD68-D5974EDCED6C}" type="slidenum">
+            <a:fld id="{04DB7035-EC30-4CBD-8FA3-B1405C93C770}" type="slidenum">
               <a:rPr lang="en-US" smtClean="0"/>
               <a:t>‹#›</a:t>
             </a:fld>
@@ -2670,7 +2670,7 @@
     </p:spTree>
     <p:extLst>
       <p:ext uri="{BB962C8B-B14F-4D97-AF65-F5344CB8AC3E}">
-        <p14:creationId xmlns:p14="http://schemas.microsoft.com/office/powerpoint/2010/main" val="3127024227"/>
+        <p14:creationId xmlns:p14="http://schemas.microsoft.com/office/powerpoint/2010/main" val="913004394"/>
       </p:ext>
     </p:extLst>
   </p:cSld>
@@ -2702,7 +2702,7 @@
           <p:cNvPr id="2" name="Title 1">
             <a:extLst>
               <a:ext uri="{FF2B5EF4-FFF2-40B4-BE49-F238E27FC236}">
-                <a16:creationId xmlns:a16="http://schemas.microsoft.com/office/drawing/2014/main" id="{740E7F44-6881-6459-7E52-7FB06C7D07CA}"/>
+                <a16:creationId xmlns:a16="http://schemas.microsoft.com/office/drawing/2014/main" id="{470637F2-06DA-4D81-2E1E-F6AD9A56EFA2}"/>
               </a:ext>
             </a:extLst>
           </p:cNvPr>
@@ -2739,7 +2739,7 @@
           <p:cNvPr id="3" name="Content Placeholder 2">
             <a:extLst>
               <a:ext uri="{FF2B5EF4-FFF2-40B4-BE49-F238E27FC236}">
-                <a16:creationId xmlns:a16="http://schemas.microsoft.com/office/drawing/2014/main" id="{7A4FFA0C-B8C1-6D25-4E84-9D3283CEDAF5}"/>
+                <a16:creationId xmlns:a16="http://schemas.microsoft.com/office/drawing/2014/main" id="{FE9D8413-0208-6E23-B978-06EFA7E9C262}"/>
               </a:ext>
             </a:extLst>
           </p:cNvPr>
@@ -2829,7 +2829,7 @@
           <p:cNvPr id="4" name="Text Placeholder 3">
             <a:extLst>
               <a:ext uri="{FF2B5EF4-FFF2-40B4-BE49-F238E27FC236}">
-                <a16:creationId xmlns:a16="http://schemas.microsoft.com/office/drawing/2014/main" id="{3CD5BDCE-FB38-FF68-2EF0-D8BD97BB9AFB}"/>
+                <a16:creationId xmlns:a16="http://schemas.microsoft.com/office/drawing/2014/main" id="{B230F2CF-7138-B7B9-7590-13927091D011}"/>
               </a:ext>
             </a:extLst>
           </p:cNvPr>
@@ -2900,7 +2900,7 @@
           <p:cNvPr id="5" name="Date Placeholder 4">
             <a:extLst>
               <a:ext uri="{FF2B5EF4-FFF2-40B4-BE49-F238E27FC236}">
-                <a16:creationId xmlns:a16="http://schemas.microsoft.com/office/drawing/2014/main" id="{FC7EA629-18A2-98B6-4FDC-ED6384630EE0}"/>
+                <a16:creationId xmlns:a16="http://schemas.microsoft.com/office/drawing/2014/main" id="{412C05C4-3F5D-C433-8378-89CA7AED2737}"/>
               </a:ext>
             </a:extLst>
           </p:cNvPr>
@@ -2916,9 +2916,9 @@
           <a:bodyPr/>
           <a:lstStyle/>
           <a:p>
-            <a:fld id="{C8925C8C-2D9D-477A-BAF1-8315E9791348}" type="datetimeFigureOut">
+            <a:fld id="{46782EE2-D377-479A-AF37-87C726AA7198}" type="datetimeFigureOut">
               <a:rPr lang="en-US" smtClean="0"/>
-              <a:t>4/20/2024</a:t>
+              <a:t>5/15/2024</a:t>
             </a:fld>
             <a:endParaRPr lang="en-US"/>
           </a:p>
@@ -2929,7 +2929,7 @@
           <p:cNvPr id="6" name="Footer Placeholder 5">
             <a:extLst>
               <a:ext uri="{FF2B5EF4-FFF2-40B4-BE49-F238E27FC236}">
-                <a16:creationId xmlns:a16="http://schemas.microsoft.com/office/drawing/2014/main" id="{5D1084FE-30FB-4F96-07C6-16CE88A8B50B}"/>
+                <a16:creationId xmlns:a16="http://schemas.microsoft.com/office/drawing/2014/main" id="{C15130B1-C60D-624B-C704-DDDA1BFEA18B}"/>
               </a:ext>
             </a:extLst>
           </p:cNvPr>
@@ -2954,7 +2954,7 @@
           <p:cNvPr id="7" name="Slide Number Placeholder 6">
             <a:extLst>
               <a:ext uri="{FF2B5EF4-FFF2-40B4-BE49-F238E27FC236}">
-                <a16:creationId xmlns:a16="http://schemas.microsoft.com/office/drawing/2014/main" id="{70544057-BE57-254C-FF32-10C62FD0A340}"/>
+                <a16:creationId xmlns:a16="http://schemas.microsoft.com/office/drawing/2014/main" id="{31D4FFB2-277A-8A8C-0DC4-B12ABB4AFEF1}"/>
               </a:ext>
             </a:extLst>
           </p:cNvPr>
@@ -2970,7 +2970,7 @@
           <a:bodyPr/>
           <a:lstStyle/>
           <a:p>
-            <a:fld id="{74172A25-2414-4798-BD68-D5974EDCED6C}" type="slidenum">
+            <a:fld id="{04DB7035-EC30-4CBD-8FA3-B1405C93C770}" type="slidenum">
               <a:rPr lang="en-US" smtClean="0"/>
               <a:t>‹#›</a:t>
             </a:fld>
@@ -2981,7 +2981,7 @@
     </p:spTree>
     <p:extLst>
       <p:ext uri="{BB962C8B-B14F-4D97-AF65-F5344CB8AC3E}">
-        <p14:creationId xmlns:p14="http://schemas.microsoft.com/office/powerpoint/2010/main" val="1795599699"/>
+        <p14:creationId xmlns:p14="http://schemas.microsoft.com/office/powerpoint/2010/main" val="1182018708"/>
       </p:ext>
     </p:extLst>
   </p:cSld>
@@ -3013,7 +3013,7 @@
           <p:cNvPr id="2" name="Title 1">
             <a:extLst>
               <a:ext uri="{FF2B5EF4-FFF2-40B4-BE49-F238E27FC236}">
-                <a16:creationId xmlns:a16="http://schemas.microsoft.com/office/drawing/2014/main" id="{6750467B-E0F3-2EE8-3C4D-89516C11905E}"/>
+                <a16:creationId xmlns:a16="http://schemas.microsoft.com/office/drawing/2014/main" id="{F6071784-0FF5-2CB3-9E7D-A89D80C9C212}"/>
               </a:ext>
             </a:extLst>
           </p:cNvPr>
@@ -3050,7 +3050,7 @@
           <p:cNvPr id="3" name="Picture Placeholder 2">
             <a:extLst>
               <a:ext uri="{FF2B5EF4-FFF2-40B4-BE49-F238E27FC236}">
-                <a16:creationId xmlns:a16="http://schemas.microsoft.com/office/drawing/2014/main" id="{F0EA5C1E-EB4C-4EC3-9E79-ED43E47C579F}"/>
+                <a16:creationId xmlns:a16="http://schemas.microsoft.com/office/drawing/2014/main" id="{4D073C69-9D66-E915-6594-D248972D88E1}"/>
               </a:ext>
             </a:extLst>
           </p:cNvPr>
@@ -3117,7 +3117,7 @@
           <p:cNvPr id="4" name="Text Placeholder 3">
             <a:extLst>
               <a:ext uri="{FF2B5EF4-FFF2-40B4-BE49-F238E27FC236}">
-                <a16:creationId xmlns:a16="http://schemas.microsoft.com/office/drawing/2014/main" id="{E3C08672-CD1B-05AF-1FFD-427929D31A80}"/>
+                <a16:creationId xmlns:a16="http://schemas.microsoft.com/office/drawing/2014/main" id="{0DC99F2A-1957-E56B-AD85-EC02D788A7DB}"/>
               </a:ext>
             </a:extLst>
           </p:cNvPr>
@@ -3188,7 +3188,7 @@
           <p:cNvPr id="5" name="Date Placeholder 4">
             <a:extLst>
               <a:ext uri="{FF2B5EF4-FFF2-40B4-BE49-F238E27FC236}">
-                <a16:creationId xmlns:a16="http://schemas.microsoft.com/office/drawing/2014/main" id="{0989AE52-1AA5-F5B2-6190-21EDEA724F48}"/>
+                <a16:creationId xmlns:a16="http://schemas.microsoft.com/office/drawing/2014/main" id="{C2D84F0F-87EC-4B15-2E49-E8F777319890}"/>
               </a:ext>
             </a:extLst>
           </p:cNvPr>
@@ -3204,9 +3204,9 @@
           <a:bodyPr/>
           <a:lstStyle/>
           <a:p>
-            <a:fld id="{C8925C8C-2D9D-477A-BAF1-8315E9791348}" type="datetimeFigureOut">
+            <a:fld id="{46782EE2-D377-479A-AF37-87C726AA7198}" type="datetimeFigureOut">
               <a:rPr lang="en-US" smtClean="0"/>
-              <a:t>4/20/2024</a:t>
+              <a:t>5/15/2024</a:t>
             </a:fld>
             <a:endParaRPr lang="en-US"/>
           </a:p>
@@ -3217,7 +3217,7 @@
           <p:cNvPr id="6" name="Footer Placeholder 5">
             <a:extLst>
               <a:ext uri="{FF2B5EF4-FFF2-40B4-BE49-F238E27FC236}">
-                <a16:creationId xmlns:a16="http://schemas.microsoft.com/office/drawing/2014/main" id="{67F73D71-CB3F-1CBA-8F66-458F6D5BD320}"/>
+                <a16:creationId xmlns:a16="http://schemas.microsoft.com/office/drawing/2014/main" id="{57D7C407-DF7E-9C4D-8E60-6FEA1ACE07CF}"/>
               </a:ext>
             </a:extLst>
           </p:cNvPr>
@@ -3242,7 +3242,7 @@
           <p:cNvPr id="7" name="Slide Number Placeholder 6">
             <a:extLst>
               <a:ext uri="{FF2B5EF4-FFF2-40B4-BE49-F238E27FC236}">
-                <a16:creationId xmlns:a16="http://schemas.microsoft.com/office/drawing/2014/main" id="{7ADA0213-0AB6-1A7A-ED8F-488B2CB2EE06}"/>
+                <a16:creationId xmlns:a16="http://schemas.microsoft.com/office/drawing/2014/main" id="{94B5AB6A-042F-7229-49F7-99AEB325E2F1}"/>
               </a:ext>
             </a:extLst>
           </p:cNvPr>
@@ -3258,7 +3258,7 @@
           <a:bodyPr/>
           <a:lstStyle/>
           <a:p>
-            <a:fld id="{74172A25-2414-4798-BD68-D5974EDCED6C}" type="slidenum">
+            <a:fld id="{04DB7035-EC30-4CBD-8FA3-B1405C93C770}" type="slidenum">
               <a:rPr lang="en-US" smtClean="0"/>
               <a:t>‹#›</a:t>
             </a:fld>
@@ -3269,7 +3269,7 @@
     </p:spTree>
     <p:extLst>
       <p:ext uri="{BB962C8B-B14F-4D97-AF65-F5344CB8AC3E}">
-        <p14:creationId xmlns:p14="http://schemas.microsoft.com/office/powerpoint/2010/main" val="3395319892"/>
+        <p14:creationId xmlns:p14="http://schemas.microsoft.com/office/powerpoint/2010/main" val="2888660225"/>
       </p:ext>
     </p:extLst>
   </p:cSld>
@@ -3306,7 +3306,7 @@
           <p:cNvPr id="2" name="Title Placeholder 1">
             <a:extLst>
               <a:ext uri="{FF2B5EF4-FFF2-40B4-BE49-F238E27FC236}">
-                <a16:creationId xmlns:a16="http://schemas.microsoft.com/office/drawing/2014/main" id="{91B85AD4-29C3-66D5-7846-B8FF638A0A80}"/>
+                <a16:creationId xmlns:a16="http://schemas.microsoft.com/office/drawing/2014/main" id="{04C481FE-47DB-4C5B-54D6-E3241AC6556B}"/>
               </a:ext>
             </a:extLst>
           </p:cNvPr>
@@ -3344,7 +3344,7 @@
           <p:cNvPr id="3" name="Text Placeholder 2">
             <a:extLst>
               <a:ext uri="{FF2B5EF4-FFF2-40B4-BE49-F238E27FC236}">
-                <a16:creationId xmlns:a16="http://schemas.microsoft.com/office/drawing/2014/main" id="{0E96C993-62D9-C334-CF34-6A4CEF492B51}"/>
+                <a16:creationId xmlns:a16="http://schemas.microsoft.com/office/drawing/2014/main" id="{399AA95D-2676-ED88-BE2F-6713EF252B6B}"/>
               </a:ext>
             </a:extLst>
           </p:cNvPr>
@@ -3411,7 +3411,7 @@
           <p:cNvPr id="4" name="Date Placeholder 3">
             <a:extLst>
               <a:ext uri="{FF2B5EF4-FFF2-40B4-BE49-F238E27FC236}">
-                <a16:creationId xmlns:a16="http://schemas.microsoft.com/office/drawing/2014/main" id="{AD472502-43CD-4C32-5D0E-47250EF540AA}"/>
+                <a16:creationId xmlns:a16="http://schemas.microsoft.com/office/drawing/2014/main" id="{6BFC729C-8FEE-053E-093E-7394F9E5C17B}"/>
               </a:ext>
             </a:extLst>
           </p:cNvPr>
@@ -3445,9 +3445,9 @@
             </a:lvl1pPr>
           </a:lstStyle>
           <a:p>
-            <a:fld id="{C8925C8C-2D9D-477A-BAF1-8315E9791348}" type="datetimeFigureOut">
+            <a:fld id="{46782EE2-D377-479A-AF37-87C726AA7198}" type="datetimeFigureOut">
               <a:rPr lang="en-US" smtClean="0"/>
-              <a:t>4/20/2024</a:t>
+              <a:t>5/15/2024</a:t>
             </a:fld>
             <a:endParaRPr lang="en-US"/>
           </a:p>
@@ -3458,7 +3458,7 @@
           <p:cNvPr id="5" name="Footer Placeholder 4">
             <a:extLst>
               <a:ext uri="{FF2B5EF4-FFF2-40B4-BE49-F238E27FC236}">
-                <a16:creationId xmlns:a16="http://schemas.microsoft.com/office/drawing/2014/main" id="{61DFD4C5-952E-929D-A10D-1B7B90EB293E}"/>
+                <a16:creationId xmlns:a16="http://schemas.microsoft.com/office/drawing/2014/main" id="{7E6A8321-60AA-B162-F141-2E35ECE72A22}"/>
               </a:ext>
             </a:extLst>
           </p:cNvPr>
@@ -3501,7 +3501,7 @@
           <p:cNvPr id="6" name="Slide Number Placeholder 5">
             <a:extLst>
               <a:ext uri="{FF2B5EF4-FFF2-40B4-BE49-F238E27FC236}">
-                <a16:creationId xmlns:a16="http://schemas.microsoft.com/office/drawing/2014/main" id="{1F814EF0-1DB6-4F97-3905-5E5457B4AAD5}"/>
+                <a16:creationId xmlns:a16="http://schemas.microsoft.com/office/drawing/2014/main" id="{028C8B93-5421-FE9C-6AFE-788D35D40B61}"/>
               </a:ext>
             </a:extLst>
           </p:cNvPr>
@@ -3535,7 +3535,7 @@
             </a:lvl1pPr>
           </a:lstStyle>
           <a:p>
-            <a:fld id="{74172A25-2414-4798-BD68-D5974EDCED6C}" type="slidenum">
+            <a:fld id="{04DB7035-EC30-4CBD-8FA3-B1405C93C770}" type="slidenum">
               <a:rPr lang="en-US" smtClean="0"/>
               <a:t>‹#›</a:t>
             </a:fld>
@@ -3546,7 +3546,7 @@
     </p:spTree>
     <p:extLst>
       <p:ext uri="{BB962C8B-B14F-4D97-AF65-F5344CB8AC3E}">
-        <p14:creationId xmlns:p14="http://schemas.microsoft.com/office/powerpoint/2010/main" val="16592325"/>
+        <p14:creationId xmlns:p14="http://schemas.microsoft.com/office/powerpoint/2010/main" val="681503078"/>
       </p:ext>
     </p:extLst>
   </p:cSld>
@@ -3923,6 +3923,40 @@
           <a:lstStyle/>
           <a:p>
             <a:r>
+              <a:rPr lang="th-TH" dirty="0">
+                <a:latin typeface="TH SarabunPSK" panose="020B0500040200020003" pitchFamily="34" charset="-34"/>
+                <a:cs typeface="TH SarabunPSK" panose="020B0500040200020003" pitchFamily="34" charset="-34"/>
+              </a:rPr>
+              <a:t>บทที่ 3 โปรแกรมวนซ้ำและการใช้เงื่อนไขในภาษาไพธอน </a:t>
+            </a:r>
+            <a:r>
+              <a:rPr lang="en-US" dirty="0">
+                <a:latin typeface="TH SarabunPSK" panose="020B0500040200020003" pitchFamily="34" charset="-34"/>
+                <a:cs typeface="TH SarabunPSK" panose="020B0500040200020003" pitchFamily="34" charset="-34"/>
+              </a:rPr>
+              <a:t>(</a:t>
+            </a:r>
+            <a:r>
+              <a:rPr lang="th-TH" dirty="0">
+                <a:latin typeface="TH SarabunPSK" panose="020B0500040200020003" pitchFamily="34" charset="-34"/>
+                <a:cs typeface="TH SarabunPSK" panose="020B0500040200020003" pitchFamily="34" charset="-34"/>
+              </a:rPr>
+              <a:t>ต่อ</a:t>
+            </a:r>
+            <a:r>
+              <a:rPr lang="en-US" dirty="0">
+                <a:latin typeface="TH SarabunPSK" panose="020B0500040200020003" pitchFamily="34" charset="-34"/>
+                <a:cs typeface="TH SarabunPSK" panose="020B0500040200020003" pitchFamily="34" charset="-34"/>
+              </a:rPr>
+              <a:t>)</a:t>
+            </a:r>
+            <a:endParaRPr lang="th-TH" dirty="0">
+              <a:latin typeface="TH SarabunPSK" panose="020B0500040200020003" pitchFamily="34" charset="-34"/>
+              <a:cs typeface="TH SarabunPSK" panose="020B0500040200020003" pitchFamily="34" charset="-34"/>
+            </a:endParaRPr>
+          </a:p>
+          <a:p>
+            <a:r>
               <a:rPr lang="en-US" dirty="0" err="1">
                 <a:latin typeface="TH SarabunPSK" panose="020B0500040200020003" pitchFamily="34" charset="-34"/>
                 <a:cs typeface="TH SarabunPSK" panose="020B0500040200020003" pitchFamily="34" charset="-34"/>
@@ -4541,6 +4575,13 @@
               <a:t>numpy.random.choice</a:t>
             </a:r>
             <a:r>
+              <a:rPr lang="en-US" dirty="0">
+                <a:latin typeface="TH SarabunPSK" panose="020B0500040200020003" pitchFamily="34" charset="-34"/>
+                <a:cs typeface="TH SarabunPSK" panose="020B0500040200020003" pitchFamily="34" charset="-34"/>
+              </a:rPr>
+              <a:t>()</a:t>
+            </a:r>
+            <a:r>
               <a:rPr lang="th-TH" dirty="0">
                 <a:latin typeface="TH SarabunPSK" panose="020B0500040200020003" pitchFamily="34" charset="-34"/>
                 <a:cs typeface="TH SarabunPSK" panose="020B0500040200020003" pitchFamily="34" charset="-34"/>
@@ -5375,7 +5416,7 @@
                 <a:latin typeface="TH SarabunPSK" panose="020B0500040200020003" pitchFamily="34" charset="-34"/>
                 <a:cs typeface="TH SarabunPSK" panose="020B0500040200020003" pitchFamily="34" charset="-34"/>
               </a:rPr>
-              <a:t> </a:t>
+              <a:t>() </a:t>
             </a:r>
           </a:p>
         </p:txBody>
@@ -15653,7 +15694,7 @@
                 <a:latin typeface="TH SarabunPSK" panose="020B0500040200020003" pitchFamily="34" charset="-34"/>
                 <a:cs typeface="TH SarabunPSK" panose="020B0500040200020003" pitchFamily="34" charset="-34"/>
               </a:rPr>
-              <a:t> </a:t>
+              <a:t>() </a:t>
             </a:r>
             <a:endParaRPr lang="th-TH" dirty="0">
               <a:latin typeface="TH SarabunPSK" panose="020B0500040200020003" pitchFamily="34" charset="-34"/>
@@ -21561,7 +21602,7 @@
                 <a:latin typeface="TH SarabunPSK" panose="020B0500040200020003" pitchFamily="34" charset="-34"/>
                 <a:cs typeface="TH SarabunPSK" panose="020B0500040200020003" pitchFamily="34" charset="-34"/>
               </a:rPr>
-              <a:t> </a:t>
+              <a:t>() </a:t>
             </a:r>
           </a:p>
         </p:txBody>
@@ -22339,7 +22380,7 @@
         </p:nvSpPr>
         <p:spPr>
           <a:xfrm>
-            <a:off x="838200" y="0"/>
+            <a:off x="838200" y="-25131"/>
             <a:ext cx="10515600" cy="1325563"/>
           </a:xfrm>
         </p:spPr>
@@ -23730,10 +23771,13 @@
               </a:rPr>
               <a:t>numpy.random.rand</a:t>
             </a:r>
-            <a:endParaRPr lang="en-US" dirty="0">
-              <a:latin typeface="TH SarabunPSK" panose="020B0500040200020003" pitchFamily="34" charset="-34"/>
-              <a:cs typeface="TH SarabunPSK" panose="020B0500040200020003" pitchFamily="34" charset="-34"/>
-            </a:endParaRPr>
+            <a:r>
+              <a:rPr lang="en-US" dirty="0">
+                <a:latin typeface="TH SarabunPSK" panose="020B0500040200020003" pitchFamily="34" charset="-34"/>
+                <a:cs typeface="TH SarabunPSK" panose="020B0500040200020003" pitchFamily="34" charset="-34"/>
+              </a:rPr>
+              <a:t>()</a:t>
+            </a:r>
           </a:p>
         </p:txBody>
       </p:sp>
@@ -24582,10 +24626,13 @@
               </a:rPr>
               <a:t>numpy.random.randn</a:t>
             </a:r>
-            <a:endParaRPr lang="en-US" dirty="0">
-              <a:latin typeface="TH SarabunPSK" panose="020B0500040200020003" pitchFamily="34" charset="-34"/>
-              <a:cs typeface="TH SarabunPSK" panose="020B0500040200020003" pitchFamily="34" charset="-34"/>
-            </a:endParaRPr>
+            <a:r>
+              <a:rPr lang="en-US" dirty="0">
+                <a:latin typeface="TH SarabunPSK" panose="020B0500040200020003" pitchFamily="34" charset="-34"/>
+                <a:cs typeface="TH SarabunPSK" panose="020B0500040200020003" pitchFamily="34" charset="-34"/>
+              </a:rPr>
+              <a:t>()</a:t>
+            </a:r>
           </a:p>
         </p:txBody>
       </p:sp>
@@ -25464,10 +25511,13 @@
               </a:rPr>
               <a:t>numpy.random.choice</a:t>
             </a:r>
-            <a:endParaRPr lang="en-US" dirty="0">
-              <a:latin typeface="TH SarabunPSK" panose="020B0500040200020003" pitchFamily="34" charset="-34"/>
-              <a:cs typeface="TH SarabunPSK" panose="020B0500040200020003" pitchFamily="34" charset="-34"/>
-            </a:endParaRPr>
+            <a:r>
+              <a:rPr lang="en-US" dirty="0">
+                <a:latin typeface="TH SarabunPSK" panose="020B0500040200020003" pitchFamily="34" charset="-34"/>
+                <a:cs typeface="TH SarabunPSK" panose="020B0500040200020003" pitchFamily="34" charset="-34"/>
+              </a:rPr>
+              <a:t>()</a:t>
+            </a:r>
           </a:p>
         </p:txBody>
       </p:sp>
@@ -26320,6 +26370,13 @@
                 <a:cs typeface="TH SarabunPSK" panose="020B0500040200020003" pitchFamily="34" charset="-34"/>
               </a:rPr>
               <a:t>numpy.random.choice</a:t>
+            </a:r>
+            <a:r>
+              <a:rPr lang="en-US" dirty="0">
+                <a:latin typeface="TH SarabunPSK" panose="020B0500040200020003" pitchFamily="34" charset="-34"/>
+                <a:cs typeface="TH SarabunPSK" panose="020B0500040200020003" pitchFamily="34" charset="-34"/>
+              </a:rPr>
+              <a:t>()</a:t>
             </a:r>
             <a:r>
               <a:rPr lang="th-TH" dirty="0">

--- a/PPT/Class period 5.pptx
+++ b/PPT/Class period 5.pptx
@@ -130,6 +130,11 @@
       </a:defRPr>
     </a:lvl9pPr>
   </p:defaultTextStyle>
+  <p:extLst>
+    <p:ext uri="{EFAFB233-063F-42B5-8137-9DF3F51BA10A}">
+      <p15:sldGuideLst xmlns:p15="http://schemas.microsoft.com/office/powerpoint/2012/main"/>
+    </p:ext>
+  </p:extLst>
 </p:presentation>
 </file>
 
@@ -215,7 +220,7 @@
           <a:p>
             <a:fld id="{D11BB789-42C9-49FC-9913-1BE5CD0C0F1F}" type="datetimeFigureOut">
               <a:rPr lang="en-US" smtClean="0"/>
-              <a:t>5/15/2024</a:t>
+              <a:t>6/17/2024</a:t>
             </a:fld>
             <a:endParaRPr lang="en-US"/>
           </a:p>
@@ -797,7 +802,7 @@
           <a:p>
             <a:fld id="{46782EE2-D377-479A-AF37-87C726AA7198}" type="datetimeFigureOut">
               <a:rPr lang="en-US" smtClean="0"/>
-              <a:t>5/15/2024</a:t>
+              <a:t>6/17/2024</a:t>
             </a:fld>
             <a:endParaRPr lang="en-US"/>
           </a:p>
@@ -995,7 +1000,7 @@
           <a:p>
             <a:fld id="{46782EE2-D377-479A-AF37-87C726AA7198}" type="datetimeFigureOut">
               <a:rPr lang="en-US" smtClean="0"/>
-              <a:t>5/15/2024</a:t>
+              <a:t>6/17/2024</a:t>
             </a:fld>
             <a:endParaRPr lang="en-US"/>
           </a:p>
@@ -1203,7 +1208,7 @@
           <a:p>
             <a:fld id="{46782EE2-D377-479A-AF37-87C726AA7198}" type="datetimeFigureOut">
               <a:rPr lang="en-US" smtClean="0"/>
-              <a:t>5/15/2024</a:t>
+              <a:t>6/17/2024</a:t>
             </a:fld>
             <a:endParaRPr lang="en-US"/>
           </a:p>
@@ -1401,7 +1406,7 @@
           <a:p>
             <a:fld id="{46782EE2-D377-479A-AF37-87C726AA7198}" type="datetimeFigureOut">
               <a:rPr lang="en-US" smtClean="0"/>
-              <a:t>5/15/2024</a:t>
+              <a:t>6/17/2024</a:t>
             </a:fld>
             <a:endParaRPr lang="en-US"/>
           </a:p>
@@ -1676,7 +1681,7 @@
           <a:p>
             <a:fld id="{46782EE2-D377-479A-AF37-87C726AA7198}" type="datetimeFigureOut">
               <a:rPr lang="en-US" smtClean="0"/>
-              <a:t>5/15/2024</a:t>
+              <a:t>6/17/2024</a:t>
             </a:fld>
             <a:endParaRPr lang="en-US"/>
           </a:p>
@@ -1941,7 +1946,7 @@
           <a:p>
             <a:fld id="{46782EE2-D377-479A-AF37-87C726AA7198}" type="datetimeFigureOut">
               <a:rPr lang="en-US" smtClean="0"/>
-              <a:t>5/15/2024</a:t>
+              <a:t>6/17/2024</a:t>
             </a:fld>
             <a:endParaRPr lang="en-US"/>
           </a:p>
@@ -2353,7 +2358,7 @@
           <a:p>
             <a:fld id="{46782EE2-D377-479A-AF37-87C726AA7198}" type="datetimeFigureOut">
               <a:rPr lang="en-US" smtClean="0"/>
-              <a:t>5/15/2024</a:t>
+              <a:t>6/17/2024</a:t>
             </a:fld>
             <a:endParaRPr lang="en-US"/>
           </a:p>
@@ -2494,7 +2499,7 @@
           <a:p>
             <a:fld id="{46782EE2-D377-479A-AF37-87C726AA7198}" type="datetimeFigureOut">
               <a:rPr lang="en-US" smtClean="0"/>
-              <a:t>5/15/2024</a:t>
+              <a:t>6/17/2024</a:t>
             </a:fld>
             <a:endParaRPr lang="en-US"/>
           </a:p>
@@ -2607,7 +2612,7 @@
           <a:p>
             <a:fld id="{46782EE2-D377-479A-AF37-87C726AA7198}" type="datetimeFigureOut">
               <a:rPr lang="en-US" smtClean="0"/>
-              <a:t>5/15/2024</a:t>
+              <a:t>6/17/2024</a:t>
             </a:fld>
             <a:endParaRPr lang="en-US"/>
           </a:p>
@@ -2918,7 +2923,7 @@
           <a:p>
             <a:fld id="{46782EE2-D377-479A-AF37-87C726AA7198}" type="datetimeFigureOut">
               <a:rPr lang="en-US" smtClean="0"/>
-              <a:t>5/15/2024</a:t>
+              <a:t>6/17/2024</a:t>
             </a:fld>
             <a:endParaRPr lang="en-US"/>
           </a:p>
@@ -3206,7 +3211,7 @@
           <a:p>
             <a:fld id="{46782EE2-D377-479A-AF37-87C726AA7198}" type="datetimeFigureOut">
               <a:rPr lang="en-US" smtClean="0"/>
-              <a:t>5/15/2024</a:t>
+              <a:t>6/17/2024</a:t>
             </a:fld>
             <a:endParaRPr lang="en-US"/>
           </a:p>
@@ -3447,7 +3452,7 @@
           <a:p>
             <a:fld id="{46782EE2-D377-479A-AF37-87C726AA7198}" type="datetimeFigureOut">
               <a:rPr lang="en-US" smtClean="0"/>
-              <a:t>5/15/2024</a:t>
+              <a:t>6/17/2024</a:t>
             </a:fld>
             <a:endParaRPr lang="en-US"/>
           </a:p>
@@ -4119,6 +4124,73 @@
           </a:prstGeom>
         </p:spPr>
       </p:pic>
+      <p:sp>
+        <p:nvSpPr>
+          <p:cNvPr id="7" name="TextBox 6">
+            <a:extLst>
+              <a:ext uri="{FF2B5EF4-FFF2-40B4-BE49-F238E27FC236}">
+                <a16:creationId xmlns:a16="http://schemas.microsoft.com/office/drawing/2014/main" id="{6735CBAA-CA9A-3CC2-9AAC-472019C16951}"/>
+              </a:ext>
+            </a:extLst>
+          </p:cNvPr>
+          <p:cNvSpPr txBox="1"/>
+          <p:nvPr/>
+        </p:nvSpPr>
+        <p:spPr>
+          <a:xfrm>
+            <a:off x="114677" y="6172611"/>
+            <a:ext cx="5532120" cy="461665"/>
+          </a:xfrm>
+          <a:prstGeom prst="rect">
+            <a:avLst/>
+          </a:prstGeom>
+          <a:noFill/>
+        </p:spPr>
+        <p:txBody>
+          <a:bodyPr wrap="square">
+            <a:spAutoFit/>
+          </a:bodyPr>
+          <a:lstStyle/>
+          <a:p>
+            <a:pPr algn="l"/>
+            <a:r>
+              <a:rPr lang="th-TH" sz="2400" dirty="0">
+                <a:latin typeface="TH SarabunPSK" panose="020B0500040200020003" pitchFamily="34" charset="-34"/>
+                <a:cs typeface="TH SarabunPSK" panose="020B0500040200020003" pitchFamily="34" charset="-34"/>
+              </a:rPr>
+              <a:t>โดย ผศ</a:t>
+            </a:r>
+            <a:r>
+              <a:rPr lang="en-US" sz="2400" dirty="0">
+                <a:latin typeface="TH SarabunPSK" panose="020B0500040200020003" pitchFamily="34" charset="-34"/>
+                <a:cs typeface="TH SarabunPSK" panose="020B0500040200020003" pitchFamily="34" charset="-34"/>
+              </a:rPr>
+              <a:t>. </a:t>
+            </a:r>
+            <a:r>
+              <a:rPr lang="th-TH" sz="2400" dirty="0">
+                <a:latin typeface="TH SarabunPSK" panose="020B0500040200020003" pitchFamily="34" charset="-34"/>
+                <a:cs typeface="TH SarabunPSK" panose="020B0500040200020003" pitchFamily="34" charset="-34"/>
+              </a:rPr>
+              <a:t>ดร</a:t>
+            </a:r>
+            <a:r>
+              <a:rPr lang="en-US" sz="2400" dirty="0">
+                <a:latin typeface="TH SarabunPSK" panose="020B0500040200020003" pitchFamily="34" charset="-34"/>
+                <a:cs typeface="TH SarabunPSK" panose="020B0500040200020003" pitchFamily="34" charset="-34"/>
+              </a:rPr>
+              <a:t>.</a:t>
+            </a:r>
+            <a:r>
+              <a:rPr lang="th-TH" sz="2400" dirty="0">
+                <a:latin typeface="TH SarabunPSK" panose="020B0500040200020003" pitchFamily="34" charset="-34"/>
+                <a:cs typeface="TH SarabunPSK" panose="020B0500040200020003" pitchFamily="34" charset="-34"/>
+              </a:rPr>
+              <a:t>ธนพงศ์ อินทระ สาขาวิชาสถิติ มหาวิทยาลัยขอนแก่น </a:t>
+            </a:r>
+          </a:p>
+        </p:txBody>
+      </p:sp>
     </p:spTree>
     <p:extLst>
       <p:ext uri="{BB962C8B-B14F-4D97-AF65-F5344CB8AC3E}">
@@ -4963,6 +5035,73 @@
           </a:p>
         </p:txBody>
       </p:sp>
+      <p:sp>
+        <p:nvSpPr>
+          <p:cNvPr id="9" name="TextBox 8">
+            <a:extLst>
+              <a:ext uri="{FF2B5EF4-FFF2-40B4-BE49-F238E27FC236}">
+                <a16:creationId xmlns:a16="http://schemas.microsoft.com/office/drawing/2014/main" id="{A0E0BFA1-BCD9-26DC-7BCE-CEDABB5C2C3C}"/>
+              </a:ext>
+            </a:extLst>
+          </p:cNvPr>
+          <p:cNvSpPr txBox="1"/>
+          <p:nvPr/>
+        </p:nvSpPr>
+        <p:spPr>
+          <a:xfrm>
+            <a:off x="114677" y="6172611"/>
+            <a:ext cx="5532120" cy="461665"/>
+          </a:xfrm>
+          <a:prstGeom prst="rect">
+            <a:avLst/>
+          </a:prstGeom>
+          <a:noFill/>
+        </p:spPr>
+        <p:txBody>
+          <a:bodyPr wrap="square">
+            <a:spAutoFit/>
+          </a:bodyPr>
+          <a:lstStyle/>
+          <a:p>
+            <a:pPr algn="l"/>
+            <a:r>
+              <a:rPr lang="th-TH" sz="2400" dirty="0">
+                <a:latin typeface="TH SarabunPSK" panose="020B0500040200020003" pitchFamily="34" charset="-34"/>
+                <a:cs typeface="TH SarabunPSK" panose="020B0500040200020003" pitchFamily="34" charset="-34"/>
+              </a:rPr>
+              <a:t>โดย ผศ</a:t>
+            </a:r>
+            <a:r>
+              <a:rPr lang="en-US" sz="2400" dirty="0">
+                <a:latin typeface="TH SarabunPSK" panose="020B0500040200020003" pitchFamily="34" charset="-34"/>
+                <a:cs typeface="TH SarabunPSK" panose="020B0500040200020003" pitchFamily="34" charset="-34"/>
+              </a:rPr>
+              <a:t>. </a:t>
+            </a:r>
+            <a:r>
+              <a:rPr lang="th-TH" sz="2400" dirty="0">
+                <a:latin typeface="TH SarabunPSK" panose="020B0500040200020003" pitchFamily="34" charset="-34"/>
+                <a:cs typeface="TH SarabunPSK" panose="020B0500040200020003" pitchFamily="34" charset="-34"/>
+              </a:rPr>
+              <a:t>ดร</a:t>
+            </a:r>
+            <a:r>
+              <a:rPr lang="en-US" sz="2400" dirty="0">
+                <a:latin typeface="TH SarabunPSK" panose="020B0500040200020003" pitchFamily="34" charset="-34"/>
+                <a:cs typeface="TH SarabunPSK" panose="020B0500040200020003" pitchFamily="34" charset="-34"/>
+              </a:rPr>
+              <a:t>.</a:t>
+            </a:r>
+            <a:r>
+              <a:rPr lang="th-TH" sz="2400" dirty="0">
+                <a:latin typeface="TH SarabunPSK" panose="020B0500040200020003" pitchFamily="34" charset="-34"/>
+                <a:cs typeface="TH SarabunPSK" panose="020B0500040200020003" pitchFamily="34" charset="-34"/>
+              </a:rPr>
+              <a:t>ธนพงศ์ อินทระ สาขาวิชาสถิติ มหาวิทยาลัยขอนแก่น </a:t>
+            </a:r>
+          </a:p>
+        </p:txBody>
+      </p:sp>
     </p:spTree>
     <p:extLst>
       <p:ext uri="{BB962C8B-B14F-4D97-AF65-F5344CB8AC3E}">
@@ -6089,6 +6228,73 @@
           </a:p>
         </p:txBody>
       </p:sp>
+      <p:sp>
+        <p:nvSpPr>
+          <p:cNvPr id="9" name="TextBox 8">
+            <a:extLst>
+              <a:ext uri="{FF2B5EF4-FFF2-40B4-BE49-F238E27FC236}">
+                <a16:creationId xmlns:a16="http://schemas.microsoft.com/office/drawing/2014/main" id="{431CC234-F287-4B55-DC88-2AF3B692435B}"/>
+              </a:ext>
+            </a:extLst>
+          </p:cNvPr>
+          <p:cNvSpPr txBox="1"/>
+          <p:nvPr/>
+        </p:nvSpPr>
+        <p:spPr>
+          <a:xfrm>
+            <a:off x="114677" y="6172611"/>
+            <a:ext cx="5532120" cy="461665"/>
+          </a:xfrm>
+          <a:prstGeom prst="rect">
+            <a:avLst/>
+          </a:prstGeom>
+          <a:noFill/>
+        </p:spPr>
+        <p:txBody>
+          <a:bodyPr wrap="square">
+            <a:spAutoFit/>
+          </a:bodyPr>
+          <a:lstStyle/>
+          <a:p>
+            <a:pPr algn="l"/>
+            <a:r>
+              <a:rPr lang="th-TH" sz="2400" dirty="0">
+                <a:latin typeface="TH SarabunPSK" panose="020B0500040200020003" pitchFamily="34" charset="-34"/>
+                <a:cs typeface="TH SarabunPSK" panose="020B0500040200020003" pitchFamily="34" charset="-34"/>
+              </a:rPr>
+              <a:t>โดย ผศ</a:t>
+            </a:r>
+            <a:r>
+              <a:rPr lang="en-US" sz="2400" dirty="0">
+                <a:latin typeface="TH SarabunPSK" panose="020B0500040200020003" pitchFamily="34" charset="-34"/>
+                <a:cs typeface="TH SarabunPSK" panose="020B0500040200020003" pitchFamily="34" charset="-34"/>
+              </a:rPr>
+              <a:t>. </a:t>
+            </a:r>
+            <a:r>
+              <a:rPr lang="th-TH" sz="2400" dirty="0">
+                <a:latin typeface="TH SarabunPSK" panose="020B0500040200020003" pitchFamily="34" charset="-34"/>
+                <a:cs typeface="TH SarabunPSK" panose="020B0500040200020003" pitchFamily="34" charset="-34"/>
+              </a:rPr>
+              <a:t>ดร</a:t>
+            </a:r>
+            <a:r>
+              <a:rPr lang="en-US" sz="2400" dirty="0">
+                <a:latin typeface="TH SarabunPSK" panose="020B0500040200020003" pitchFamily="34" charset="-34"/>
+                <a:cs typeface="TH SarabunPSK" panose="020B0500040200020003" pitchFamily="34" charset="-34"/>
+              </a:rPr>
+              <a:t>.</a:t>
+            </a:r>
+            <a:r>
+              <a:rPr lang="th-TH" sz="2400" dirty="0">
+                <a:latin typeface="TH SarabunPSK" panose="020B0500040200020003" pitchFamily="34" charset="-34"/>
+                <a:cs typeface="TH SarabunPSK" panose="020B0500040200020003" pitchFamily="34" charset="-34"/>
+              </a:rPr>
+              <a:t>ธนพงศ์ อินทระ สาขาวิชาสถิติ มหาวิทยาลัยขอนแก่น </a:t>
+            </a:r>
+          </a:p>
+        </p:txBody>
+      </p:sp>
     </p:spTree>
     <p:extLst>
       <p:ext uri="{BB962C8B-B14F-4D97-AF65-F5344CB8AC3E}">
@@ -6911,6 +7117,73 @@
           </a:p>
         </p:txBody>
       </p:sp>
+      <p:sp>
+        <p:nvSpPr>
+          <p:cNvPr id="10" name="TextBox 9">
+            <a:extLst>
+              <a:ext uri="{FF2B5EF4-FFF2-40B4-BE49-F238E27FC236}">
+                <a16:creationId xmlns:a16="http://schemas.microsoft.com/office/drawing/2014/main" id="{253E7B04-18C8-0D86-1B0C-2759769918A9}"/>
+              </a:ext>
+            </a:extLst>
+          </p:cNvPr>
+          <p:cNvSpPr txBox="1"/>
+          <p:nvPr/>
+        </p:nvSpPr>
+        <p:spPr>
+          <a:xfrm>
+            <a:off x="114677" y="6172611"/>
+            <a:ext cx="5532120" cy="461665"/>
+          </a:xfrm>
+          <a:prstGeom prst="rect">
+            <a:avLst/>
+          </a:prstGeom>
+          <a:noFill/>
+        </p:spPr>
+        <p:txBody>
+          <a:bodyPr wrap="square">
+            <a:spAutoFit/>
+          </a:bodyPr>
+          <a:lstStyle/>
+          <a:p>
+            <a:pPr algn="l"/>
+            <a:r>
+              <a:rPr lang="th-TH" sz="2400" dirty="0">
+                <a:latin typeface="TH SarabunPSK" panose="020B0500040200020003" pitchFamily="34" charset="-34"/>
+                <a:cs typeface="TH SarabunPSK" panose="020B0500040200020003" pitchFamily="34" charset="-34"/>
+              </a:rPr>
+              <a:t>โดย ผศ</a:t>
+            </a:r>
+            <a:r>
+              <a:rPr lang="en-US" sz="2400" dirty="0">
+                <a:latin typeface="TH SarabunPSK" panose="020B0500040200020003" pitchFamily="34" charset="-34"/>
+                <a:cs typeface="TH SarabunPSK" panose="020B0500040200020003" pitchFamily="34" charset="-34"/>
+              </a:rPr>
+              <a:t>. </a:t>
+            </a:r>
+            <a:r>
+              <a:rPr lang="th-TH" sz="2400" dirty="0">
+                <a:latin typeface="TH SarabunPSK" panose="020B0500040200020003" pitchFamily="34" charset="-34"/>
+                <a:cs typeface="TH SarabunPSK" panose="020B0500040200020003" pitchFamily="34" charset="-34"/>
+              </a:rPr>
+              <a:t>ดร</a:t>
+            </a:r>
+            <a:r>
+              <a:rPr lang="en-US" sz="2400" dirty="0">
+                <a:latin typeface="TH SarabunPSK" panose="020B0500040200020003" pitchFamily="34" charset="-34"/>
+                <a:cs typeface="TH SarabunPSK" panose="020B0500040200020003" pitchFamily="34" charset="-34"/>
+              </a:rPr>
+              <a:t>.</a:t>
+            </a:r>
+            <a:r>
+              <a:rPr lang="th-TH" sz="2400" dirty="0">
+                <a:latin typeface="TH SarabunPSK" panose="020B0500040200020003" pitchFamily="34" charset="-34"/>
+                <a:cs typeface="TH SarabunPSK" panose="020B0500040200020003" pitchFamily="34" charset="-34"/>
+              </a:rPr>
+              <a:t>ธนพงศ์ อินทระ สาขาวิชาสถิติ มหาวิทยาลัยขอนแก่น </a:t>
+            </a:r>
+          </a:p>
+        </p:txBody>
+      </p:sp>
     </p:spTree>
     <p:extLst>
       <p:ext uri="{BB962C8B-B14F-4D97-AF65-F5344CB8AC3E}">
@@ -8088,6 +8361,73 @@
           </a:p>
         </p:txBody>
       </p:sp>
+      <p:sp>
+        <p:nvSpPr>
+          <p:cNvPr id="9" name="TextBox 8">
+            <a:extLst>
+              <a:ext uri="{FF2B5EF4-FFF2-40B4-BE49-F238E27FC236}">
+                <a16:creationId xmlns:a16="http://schemas.microsoft.com/office/drawing/2014/main" id="{9F36A8A0-6B38-C7C4-9D70-F65183A5112B}"/>
+              </a:ext>
+            </a:extLst>
+          </p:cNvPr>
+          <p:cNvSpPr txBox="1"/>
+          <p:nvPr/>
+        </p:nvSpPr>
+        <p:spPr>
+          <a:xfrm>
+            <a:off x="114677" y="6172611"/>
+            <a:ext cx="5532120" cy="461665"/>
+          </a:xfrm>
+          <a:prstGeom prst="rect">
+            <a:avLst/>
+          </a:prstGeom>
+          <a:noFill/>
+        </p:spPr>
+        <p:txBody>
+          <a:bodyPr wrap="square">
+            <a:spAutoFit/>
+          </a:bodyPr>
+          <a:lstStyle/>
+          <a:p>
+            <a:pPr algn="l"/>
+            <a:r>
+              <a:rPr lang="th-TH" sz="2400" dirty="0">
+                <a:latin typeface="TH SarabunPSK" panose="020B0500040200020003" pitchFamily="34" charset="-34"/>
+                <a:cs typeface="TH SarabunPSK" panose="020B0500040200020003" pitchFamily="34" charset="-34"/>
+              </a:rPr>
+              <a:t>โดย ผศ</a:t>
+            </a:r>
+            <a:r>
+              <a:rPr lang="en-US" sz="2400" dirty="0">
+                <a:latin typeface="TH SarabunPSK" panose="020B0500040200020003" pitchFamily="34" charset="-34"/>
+                <a:cs typeface="TH SarabunPSK" panose="020B0500040200020003" pitchFamily="34" charset="-34"/>
+              </a:rPr>
+              <a:t>. </a:t>
+            </a:r>
+            <a:r>
+              <a:rPr lang="th-TH" sz="2400" dirty="0">
+                <a:latin typeface="TH SarabunPSK" panose="020B0500040200020003" pitchFamily="34" charset="-34"/>
+                <a:cs typeface="TH SarabunPSK" panose="020B0500040200020003" pitchFamily="34" charset="-34"/>
+              </a:rPr>
+              <a:t>ดร</a:t>
+            </a:r>
+            <a:r>
+              <a:rPr lang="en-US" sz="2400" dirty="0">
+                <a:latin typeface="TH SarabunPSK" panose="020B0500040200020003" pitchFamily="34" charset="-34"/>
+                <a:cs typeface="TH SarabunPSK" panose="020B0500040200020003" pitchFamily="34" charset="-34"/>
+              </a:rPr>
+              <a:t>.</a:t>
+            </a:r>
+            <a:r>
+              <a:rPr lang="th-TH" sz="2400" dirty="0">
+                <a:latin typeface="TH SarabunPSK" panose="020B0500040200020003" pitchFamily="34" charset="-34"/>
+                <a:cs typeface="TH SarabunPSK" panose="020B0500040200020003" pitchFamily="34" charset="-34"/>
+              </a:rPr>
+              <a:t>ธนพงศ์ อินทระ สาขาวิชาสถิติ มหาวิทยาลัยขอนแก่น </a:t>
+            </a:r>
+          </a:p>
+        </p:txBody>
+      </p:sp>
     </p:spTree>
     <p:extLst>
       <p:ext uri="{BB962C8B-B14F-4D97-AF65-F5344CB8AC3E}">
@@ -9097,6 +9437,73 @@
           </a:p>
         </p:txBody>
       </p:sp>
+      <p:sp>
+        <p:nvSpPr>
+          <p:cNvPr id="9" name="TextBox 8">
+            <a:extLst>
+              <a:ext uri="{FF2B5EF4-FFF2-40B4-BE49-F238E27FC236}">
+                <a16:creationId xmlns:a16="http://schemas.microsoft.com/office/drawing/2014/main" id="{7CD77987-4C1A-9E8A-2930-207D34F8E000}"/>
+              </a:ext>
+            </a:extLst>
+          </p:cNvPr>
+          <p:cNvSpPr txBox="1"/>
+          <p:nvPr/>
+        </p:nvSpPr>
+        <p:spPr>
+          <a:xfrm>
+            <a:off x="114677" y="6172611"/>
+            <a:ext cx="5532120" cy="461665"/>
+          </a:xfrm>
+          <a:prstGeom prst="rect">
+            <a:avLst/>
+          </a:prstGeom>
+          <a:noFill/>
+        </p:spPr>
+        <p:txBody>
+          <a:bodyPr wrap="square">
+            <a:spAutoFit/>
+          </a:bodyPr>
+          <a:lstStyle/>
+          <a:p>
+            <a:pPr algn="l"/>
+            <a:r>
+              <a:rPr lang="th-TH" sz="2400" dirty="0">
+                <a:latin typeface="TH SarabunPSK" panose="020B0500040200020003" pitchFamily="34" charset="-34"/>
+                <a:cs typeface="TH SarabunPSK" panose="020B0500040200020003" pitchFamily="34" charset="-34"/>
+              </a:rPr>
+              <a:t>โดย ผศ</a:t>
+            </a:r>
+            <a:r>
+              <a:rPr lang="en-US" sz="2400" dirty="0">
+                <a:latin typeface="TH SarabunPSK" panose="020B0500040200020003" pitchFamily="34" charset="-34"/>
+                <a:cs typeface="TH SarabunPSK" panose="020B0500040200020003" pitchFamily="34" charset="-34"/>
+              </a:rPr>
+              <a:t>. </a:t>
+            </a:r>
+            <a:r>
+              <a:rPr lang="th-TH" sz="2400" dirty="0">
+                <a:latin typeface="TH SarabunPSK" panose="020B0500040200020003" pitchFamily="34" charset="-34"/>
+                <a:cs typeface="TH SarabunPSK" panose="020B0500040200020003" pitchFamily="34" charset="-34"/>
+              </a:rPr>
+              <a:t>ดร</a:t>
+            </a:r>
+            <a:r>
+              <a:rPr lang="en-US" sz="2400" dirty="0">
+                <a:latin typeface="TH SarabunPSK" panose="020B0500040200020003" pitchFamily="34" charset="-34"/>
+                <a:cs typeface="TH SarabunPSK" panose="020B0500040200020003" pitchFamily="34" charset="-34"/>
+              </a:rPr>
+              <a:t>.</a:t>
+            </a:r>
+            <a:r>
+              <a:rPr lang="th-TH" sz="2400" dirty="0">
+                <a:latin typeface="TH SarabunPSK" panose="020B0500040200020003" pitchFamily="34" charset="-34"/>
+                <a:cs typeface="TH SarabunPSK" panose="020B0500040200020003" pitchFamily="34" charset="-34"/>
+              </a:rPr>
+              <a:t>ธนพงศ์ อินทระ สาขาวิชาสถิติ มหาวิทยาลัยขอนแก่น </a:t>
+            </a:r>
+          </a:p>
+        </p:txBody>
+      </p:sp>
     </p:spTree>
     <p:extLst>
       <p:ext uri="{BB962C8B-B14F-4D97-AF65-F5344CB8AC3E}">
@@ -10399,6 +10806,73 @@
           </a:p>
         </p:txBody>
       </p:sp>
+      <p:sp>
+        <p:nvSpPr>
+          <p:cNvPr id="10" name="TextBox 9">
+            <a:extLst>
+              <a:ext uri="{FF2B5EF4-FFF2-40B4-BE49-F238E27FC236}">
+                <a16:creationId xmlns:a16="http://schemas.microsoft.com/office/drawing/2014/main" id="{CA5A2D90-59E6-5E24-31D6-D87DC104A175}"/>
+              </a:ext>
+            </a:extLst>
+          </p:cNvPr>
+          <p:cNvSpPr txBox="1"/>
+          <p:nvPr/>
+        </p:nvSpPr>
+        <p:spPr>
+          <a:xfrm>
+            <a:off x="114677" y="6172611"/>
+            <a:ext cx="5532120" cy="461665"/>
+          </a:xfrm>
+          <a:prstGeom prst="rect">
+            <a:avLst/>
+          </a:prstGeom>
+          <a:noFill/>
+        </p:spPr>
+        <p:txBody>
+          <a:bodyPr wrap="square">
+            <a:spAutoFit/>
+          </a:bodyPr>
+          <a:lstStyle/>
+          <a:p>
+            <a:pPr algn="l"/>
+            <a:r>
+              <a:rPr lang="th-TH" sz="2400" dirty="0">
+                <a:latin typeface="TH SarabunPSK" panose="020B0500040200020003" pitchFamily="34" charset="-34"/>
+                <a:cs typeface="TH SarabunPSK" panose="020B0500040200020003" pitchFamily="34" charset="-34"/>
+              </a:rPr>
+              <a:t>โดย ผศ</a:t>
+            </a:r>
+            <a:r>
+              <a:rPr lang="en-US" sz="2400" dirty="0">
+                <a:latin typeface="TH SarabunPSK" panose="020B0500040200020003" pitchFamily="34" charset="-34"/>
+                <a:cs typeface="TH SarabunPSK" panose="020B0500040200020003" pitchFamily="34" charset="-34"/>
+              </a:rPr>
+              <a:t>. </a:t>
+            </a:r>
+            <a:r>
+              <a:rPr lang="th-TH" sz="2400" dirty="0">
+                <a:latin typeface="TH SarabunPSK" panose="020B0500040200020003" pitchFamily="34" charset="-34"/>
+                <a:cs typeface="TH SarabunPSK" panose="020B0500040200020003" pitchFamily="34" charset="-34"/>
+              </a:rPr>
+              <a:t>ดร</a:t>
+            </a:r>
+            <a:r>
+              <a:rPr lang="en-US" sz="2400" dirty="0">
+                <a:latin typeface="TH SarabunPSK" panose="020B0500040200020003" pitchFamily="34" charset="-34"/>
+                <a:cs typeface="TH SarabunPSK" panose="020B0500040200020003" pitchFamily="34" charset="-34"/>
+              </a:rPr>
+              <a:t>.</a:t>
+            </a:r>
+            <a:r>
+              <a:rPr lang="th-TH" sz="2400" dirty="0">
+                <a:latin typeface="TH SarabunPSK" panose="020B0500040200020003" pitchFamily="34" charset="-34"/>
+                <a:cs typeface="TH SarabunPSK" panose="020B0500040200020003" pitchFamily="34" charset="-34"/>
+              </a:rPr>
+              <a:t>ธนพงศ์ อินทระ สาขาวิชาสถิติ มหาวิทยาลัยขอนแก่น </a:t>
+            </a:r>
+          </a:p>
+        </p:txBody>
+      </p:sp>
     </p:spTree>
     <p:extLst>
       <p:ext uri="{BB962C8B-B14F-4D97-AF65-F5344CB8AC3E}">
@@ -11549,6 +12023,73 @@
           </a:p>
         </p:txBody>
       </p:sp>
+      <p:sp>
+        <p:nvSpPr>
+          <p:cNvPr id="9" name="TextBox 8">
+            <a:extLst>
+              <a:ext uri="{FF2B5EF4-FFF2-40B4-BE49-F238E27FC236}">
+                <a16:creationId xmlns:a16="http://schemas.microsoft.com/office/drawing/2014/main" id="{A0B32D16-E942-66AB-2973-8FAE070DFC03}"/>
+              </a:ext>
+            </a:extLst>
+          </p:cNvPr>
+          <p:cNvSpPr txBox="1"/>
+          <p:nvPr/>
+        </p:nvSpPr>
+        <p:spPr>
+          <a:xfrm>
+            <a:off x="114677" y="6172611"/>
+            <a:ext cx="5532120" cy="461665"/>
+          </a:xfrm>
+          <a:prstGeom prst="rect">
+            <a:avLst/>
+          </a:prstGeom>
+          <a:noFill/>
+        </p:spPr>
+        <p:txBody>
+          <a:bodyPr wrap="square">
+            <a:spAutoFit/>
+          </a:bodyPr>
+          <a:lstStyle/>
+          <a:p>
+            <a:pPr algn="l"/>
+            <a:r>
+              <a:rPr lang="th-TH" sz="2400" dirty="0">
+                <a:latin typeface="TH SarabunPSK" panose="020B0500040200020003" pitchFamily="34" charset="-34"/>
+                <a:cs typeface="TH SarabunPSK" panose="020B0500040200020003" pitchFamily="34" charset="-34"/>
+              </a:rPr>
+              <a:t>โดย ผศ</a:t>
+            </a:r>
+            <a:r>
+              <a:rPr lang="en-US" sz="2400" dirty="0">
+                <a:latin typeface="TH SarabunPSK" panose="020B0500040200020003" pitchFamily="34" charset="-34"/>
+                <a:cs typeface="TH SarabunPSK" panose="020B0500040200020003" pitchFamily="34" charset="-34"/>
+              </a:rPr>
+              <a:t>. </a:t>
+            </a:r>
+            <a:r>
+              <a:rPr lang="th-TH" sz="2400" dirty="0">
+                <a:latin typeface="TH SarabunPSK" panose="020B0500040200020003" pitchFamily="34" charset="-34"/>
+                <a:cs typeface="TH SarabunPSK" panose="020B0500040200020003" pitchFamily="34" charset="-34"/>
+              </a:rPr>
+              <a:t>ดร</a:t>
+            </a:r>
+            <a:r>
+              <a:rPr lang="en-US" sz="2400" dirty="0">
+                <a:latin typeface="TH SarabunPSK" panose="020B0500040200020003" pitchFamily="34" charset="-34"/>
+                <a:cs typeface="TH SarabunPSK" panose="020B0500040200020003" pitchFamily="34" charset="-34"/>
+              </a:rPr>
+              <a:t>.</a:t>
+            </a:r>
+            <a:r>
+              <a:rPr lang="th-TH" sz="2400" dirty="0">
+                <a:latin typeface="TH SarabunPSK" panose="020B0500040200020003" pitchFamily="34" charset="-34"/>
+                <a:cs typeface="TH SarabunPSK" panose="020B0500040200020003" pitchFamily="34" charset="-34"/>
+              </a:rPr>
+              <a:t>ธนพงศ์ อินทระ สาขาวิชาสถิติ มหาวิทยาลัยขอนแก่น </a:t>
+            </a:r>
+          </a:p>
+        </p:txBody>
+      </p:sp>
     </p:spTree>
     <p:extLst>
       <p:ext uri="{BB962C8B-B14F-4D97-AF65-F5344CB8AC3E}">
@@ -12747,6 +13288,73 @@
           </a:p>
         </p:txBody>
       </p:sp>
+      <p:sp>
+        <p:nvSpPr>
+          <p:cNvPr id="9" name="TextBox 8">
+            <a:extLst>
+              <a:ext uri="{FF2B5EF4-FFF2-40B4-BE49-F238E27FC236}">
+                <a16:creationId xmlns:a16="http://schemas.microsoft.com/office/drawing/2014/main" id="{713009D6-7103-DF13-593B-C4F68D362751}"/>
+              </a:ext>
+            </a:extLst>
+          </p:cNvPr>
+          <p:cNvSpPr txBox="1"/>
+          <p:nvPr/>
+        </p:nvSpPr>
+        <p:spPr>
+          <a:xfrm>
+            <a:off x="114677" y="6172611"/>
+            <a:ext cx="5532120" cy="461665"/>
+          </a:xfrm>
+          <a:prstGeom prst="rect">
+            <a:avLst/>
+          </a:prstGeom>
+          <a:noFill/>
+        </p:spPr>
+        <p:txBody>
+          <a:bodyPr wrap="square">
+            <a:spAutoFit/>
+          </a:bodyPr>
+          <a:lstStyle/>
+          <a:p>
+            <a:pPr algn="l"/>
+            <a:r>
+              <a:rPr lang="th-TH" sz="2400" dirty="0">
+                <a:latin typeface="TH SarabunPSK" panose="020B0500040200020003" pitchFamily="34" charset="-34"/>
+                <a:cs typeface="TH SarabunPSK" panose="020B0500040200020003" pitchFamily="34" charset="-34"/>
+              </a:rPr>
+              <a:t>โดย ผศ</a:t>
+            </a:r>
+            <a:r>
+              <a:rPr lang="en-US" sz="2400" dirty="0">
+                <a:latin typeface="TH SarabunPSK" panose="020B0500040200020003" pitchFamily="34" charset="-34"/>
+                <a:cs typeface="TH SarabunPSK" panose="020B0500040200020003" pitchFamily="34" charset="-34"/>
+              </a:rPr>
+              <a:t>. </a:t>
+            </a:r>
+            <a:r>
+              <a:rPr lang="th-TH" sz="2400" dirty="0">
+                <a:latin typeface="TH SarabunPSK" panose="020B0500040200020003" pitchFamily="34" charset="-34"/>
+                <a:cs typeface="TH SarabunPSK" panose="020B0500040200020003" pitchFamily="34" charset="-34"/>
+              </a:rPr>
+              <a:t>ดร</a:t>
+            </a:r>
+            <a:r>
+              <a:rPr lang="en-US" sz="2400" dirty="0">
+                <a:latin typeface="TH SarabunPSK" panose="020B0500040200020003" pitchFamily="34" charset="-34"/>
+                <a:cs typeface="TH SarabunPSK" panose="020B0500040200020003" pitchFamily="34" charset="-34"/>
+              </a:rPr>
+              <a:t>.</a:t>
+            </a:r>
+            <a:r>
+              <a:rPr lang="th-TH" sz="2400" dirty="0">
+                <a:latin typeface="TH SarabunPSK" panose="020B0500040200020003" pitchFamily="34" charset="-34"/>
+                <a:cs typeface="TH SarabunPSK" panose="020B0500040200020003" pitchFamily="34" charset="-34"/>
+              </a:rPr>
+              <a:t>ธนพงศ์ อินทระ สาขาวิชาสถิติ มหาวิทยาลัยขอนแก่น </a:t>
+            </a:r>
+          </a:p>
+        </p:txBody>
+      </p:sp>
     </p:spTree>
     <p:extLst>
       <p:ext uri="{BB962C8B-B14F-4D97-AF65-F5344CB8AC3E}">
@@ -14009,6 +14617,73 @@
           </a:p>
         </p:txBody>
       </p:sp>
+      <p:sp>
+        <p:nvSpPr>
+          <p:cNvPr id="9" name="TextBox 8">
+            <a:extLst>
+              <a:ext uri="{FF2B5EF4-FFF2-40B4-BE49-F238E27FC236}">
+                <a16:creationId xmlns:a16="http://schemas.microsoft.com/office/drawing/2014/main" id="{81FBF36F-F102-EE0A-6028-5BDC314611C8}"/>
+              </a:ext>
+            </a:extLst>
+          </p:cNvPr>
+          <p:cNvSpPr txBox="1"/>
+          <p:nvPr/>
+        </p:nvSpPr>
+        <p:spPr>
+          <a:xfrm>
+            <a:off x="114677" y="6172611"/>
+            <a:ext cx="5532120" cy="461665"/>
+          </a:xfrm>
+          <a:prstGeom prst="rect">
+            <a:avLst/>
+          </a:prstGeom>
+          <a:noFill/>
+        </p:spPr>
+        <p:txBody>
+          <a:bodyPr wrap="square">
+            <a:spAutoFit/>
+          </a:bodyPr>
+          <a:lstStyle/>
+          <a:p>
+            <a:pPr algn="l"/>
+            <a:r>
+              <a:rPr lang="th-TH" sz="2400" dirty="0">
+                <a:latin typeface="TH SarabunPSK" panose="020B0500040200020003" pitchFamily="34" charset="-34"/>
+                <a:cs typeface="TH SarabunPSK" panose="020B0500040200020003" pitchFamily="34" charset="-34"/>
+              </a:rPr>
+              <a:t>โดย ผศ</a:t>
+            </a:r>
+            <a:r>
+              <a:rPr lang="en-US" sz="2400" dirty="0">
+                <a:latin typeface="TH SarabunPSK" panose="020B0500040200020003" pitchFamily="34" charset="-34"/>
+                <a:cs typeface="TH SarabunPSK" panose="020B0500040200020003" pitchFamily="34" charset="-34"/>
+              </a:rPr>
+              <a:t>. </a:t>
+            </a:r>
+            <a:r>
+              <a:rPr lang="th-TH" sz="2400" dirty="0">
+                <a:latin typeface="TH SarabunPSK" panose="020B0500040200020003" pitchFamily="34" charset="-34"/>
+                <a:cs typeface="TH SarabunPSK" panose="020B0500040200020003" pitchFamily="34" charset="-34"/>
+              </a:rPr>
+              <a:t>ดร</a:t>
+            </a:r>
+            <a:r>
+              <a:rPr lang="en-US" sz="2400" dirty="0">
+                <a:latin typeface="TH SarabunPSK" panose="020B0500040200020003" pitchFamily="34" charset="-34"/>
+                <a:cs typeface="TH SarabunPSK" panose="020B0500040200020003" pitchFamily="34" charset="-34"/>
+              </a:rPr>
+              <a:t>.</a:t>
+            </a:r>
+            <a:r>
+              <a:rPr lang="th-TH" sz="2400" dirty="0">
+                <a:latin typeface="TH SarabunPSK" panose="020B0500040200020003" pitchFamily="34" charset="-34"/>
+                <a:cs typeface="TH SarabunPSK" panose="020B0500040200020003" pitchFamily="34" charset="-34"/>
+              </a:rPr>
+              <a:t>ธนพงศ์ อินทระ สาขาวิชาสถิติ มหาวิทยาลัยขอนแก่น </a:t>
+            </a:r>
+          </a:p>
+        </p:txBody>
+      </p:sp>
     </p:spTree>
     <p:extLst>
       <p:ext uri="{BB962C8B-B14F-4D97-AF65-F5344CB8AC3E}">
@@ -15241,6 +15916,73 @@
           </a:p>
         </p:txBody>
       </p:sp>
+      <p:sp>
+        <p:nvSpPr>
+          <p:cNvPr id="9" name="TextBox 8">
+            <a:extLst>
+              <a:ext uri="{FF2B5EF4-FFF2-40B4-BE49-F238E27FC236}">
+                <a16:creationId xmlns:a16="http://schemas.microsoft.com/office/drawing/2014/main" id="{C51FC548-9218-E31E-F196-9E53D53FA220}"/>
+              </a:ext>
+            </a:extLst>
+          </p:cNvPr>
+          <p:cNvSpPr txBox="1"/>
+          <p:nvPr/>
+        </p:nvSpPr>
+        <p:spPr>
+          <a:xfrm>
+            <a:off x="114677" y="6172611"/>
+            <a:ext cx="5532120" cy="461665"/>
+          </a:xfrm>
+          <a:prstGeom prst="rect">
+            <a:avLst/>
+          </a:prstGeom>
+          <a:noFill/>
+        </p:spPr>
+        <p:txBody>
+          <a:bodyPr wrap="square">
+            <a:spAutoFit/>
+          </a:bodyPr>
+          <a:lstStyle/>
+          <a:p>
+            <a:pPr algn="l"/>
+            <a:r>
+              <a:rPr lang="th-TH" sz="2400" dirty="0">
+                <a:latin typeface="TH SarabunPSK" panose="020B0500040200020003" pitchFamily="34" charset="-34"/>
+                <a:cs typeface="TH SarabunPSK" panose="020B0500040200020003" pitchFamily="34" charset="-34"/>
+              </a:rPr>
+              <a:t>โดย ผศ</a:t>
+            </a:r>
+            <a:r>
+              <a:rPr lang="en-US" sz="2400" dirty="0">
+                <a:latin typeface="TH SarabunPSK" panose="020B0500040200020003" pitchFamily="34" charset="-34"/>
+                <a:cs typeface="TH SarabunPSK" panose="020B0500040200020003" pitchFamily="34" charset="-34"/>
+              </a:rPr>
+              <a:t>. </a:t>
+            </a:r>
+            <a:r>
+              <a:rPr lang="th-TH" sz="2400" dirty="0">
+                <a:latin typeface="TH SarabunPSK" panose="020B0500040200020003" pitchFamily="34" charset="-34"/>
+                <a:cs typeface="TH SarabunPSK" panose="020B0500040200020003" pitchFamily="34" charset="-34"/>
+              </a:rPr>
+              <a:t>ดร</a:t>
+            </a:r>
+            <a:r>
+              <a:rPr lang="en-US" sz="2400" dirty="0">
+                <a:latin typeface="TH SarabunPSK" panose="020B0500040200020003" pitchFamily="34" charset="-34"/>
+                <a:cs typeface="TH SarabunPSK" panose="020B0500040200020003" pitchFamily="34" charset="-34"/>
+              </a:rPr>
+              <a:t>.</a:t>
+            </a:r>
+            <a:r>
+              <a:rPr lang="th-TH" sz="2400" dirty="0">
+                <a:latin typeface="TH SarabunPSK" panose="020B0500040200020003" pitchFamily="34" charset="-34"/>
+                <a:cs typeface="TH SarabunPSK" panose="020B0500040200020003" pitchFamily="34" charset="-34"/>
+              </a:rPr>
+              <a:t>ธนพงศ์ อินทระ สาขาวิชาสถิติ มหาวิทยาลัยขอนแก่น </a:t>
+            </a:r>
+          </a:p>
+        </p:txBody>
+      </p:sp>
     </p:spTree>
     <p:extLst>
       <p:ext uri="{BB962C8B-B14F-4D97-AF65-F5344CB8AC3E}">
@@ -16175,6 +16917,73 @@
           </a:p>
         </p:txBody>
       </p:sp>
+      <p:sp>
+        <p:nvSpPr>
+          <p:cNvPr id="10" name="TextBox 9">
+            <a:extLst>
+              <a:ext uri="{FF2B5EF4-FFF2-40B4-BE49-F238E27FC236}">
+                <a16:creationId xmlns:a16="http://schemas.microsoft.com/office/drawing/2014/main" id="{DCD028FD-A4E4-401C-4865-BB002B710B1E}"/>
+              </a:ext>
+            </a:extLst>
+          </p:cNvPr>
+          <p:cNvSpPr txBox="1"/>
+          <p:nvPr/>
+        </p:nvSpPr>
+        <p:spPr>
+          <a:xfrm>
+            <a:off x="114677" y="6172611"/>
+            <a:ext cx="5532120" cy="461665"/>
+          </a:xfrm>
+          <a:prstGeom prst="rect">
+            <a:avLst/>
+          </a:prstGeom>
+          <a:noFill/>
+        </p:spPr>
+        <p:txBody>
+          <a:bodyPr wrap="square">
+            <a:spAutoFit/>
+          </a:bodyPr>
+          <a:lstStyle/>
+          <a:p>
+            <a:pPr algn="l"/>
+            <a:r>
+              <a:rPr lang="th-TH" sz="2400" dirty="0">
+                <a:latin typeface="TH SarabunPSK" panose="020B0500040200020003" pitchFamily="34" charset="-34"/>
+                <a:cs typeface="TH SarabunPSK" panose="020B0500040200020003" pitchFamily="34" charset="-34"/>
+              </a:rPr>
+              <a:t>โดย ผศ</a:t>
+            </a:r>
+            <a:r>
+              <a:rPr lang="en-US" sz="2400" dirty="0">
+                <a:latin typeface="TH SarabunPSK" panose="020B0500040200020003" pitchFamily="34" charset="-34"/>
+                <a:cs typeface="TH SarabunPSK" panose="020B0500040200020003" pitchFamily="34" charset="-34"/>
+              </a:rPr>
+              <a:t>. </a:t>
+            </a:r>
+            <a:r>
+              <a:rPr lang="th-TH" sz="2400" dirty="0">
+                <a:latin typeface="TH SarabunPSK" panose="020B0500040200020003" pitchFamily="34" charset="-34"/>
+                <a:cs typeface="TH SarabunPSK" panose="020B0500040200020003" pitchFamily="34" charset="-34"/>
+              </a:rPr>
+              <a:t>ดร</a:t>
+            </a:r>
+            <a:r>
+              <a:rPr lang="en-US" sz="2400" dirty="0">
+                <a:latin typeface="TH SarabunPSK" panose="020B0500040200020003" pitchFamily="34" charset="-34"/>
+                <a:cs typeface="TH SarabunPSK" panose="020B0500040200020003" pitchFamily="34" charset="-34"/>
+              </a:rPr>
+              <a:t>.</a:t>
+            </a:r>
+            <a:r>
+              <a:rPr lang="th-TH" sz="2400" dirty="0">
+                <a:latin typeface="TH SarabunPSK" panose="020B0500040200020003" pitchFamily="34" charset="-34"/>
+                <a:cs typeface="TH SarabunPSK" panose="020B0500040200020003" pitchFamily="34" charset="-34"/>
+              </a:rPr>
+              <a:t>ธนพงศ์ อินทระ สาขาวิชาสถิติ มหาวิทยาลัยขอนแก่น </a:t>
+            </a:r>
+          </a:p>
+        </p:txBody>
+      </p:sp>
     </p:spTree>
     <p:extLst>
       <p:ext uri="{BB962C8B-B14F-4D97-AF65-F5344CB8AC3E}">
@@ -17535,6 +18344,73 @@
           </a:p>
         </p:txBody>
       </p:sp>
+      <p:sp>
+        <p:nvSpPr>
+          <p:cNvPr id="13" name="TextBox 12">
+            <a:extLst>
+              <a:ext uri="{FF2B5EF4-FFF2-40B4-BE49-F238E27FC236}">
+                <a16:creationId xmlns:a16="http://schemas.microsoft.com/office/drawing/2014/main" id="{E8E1E64B-6156-FA53-1138-C993EA03D5AD}"/>
+              </a:ext>
+            </a:extLst>
+          </p:cNvPr>
+          <p:cNvSpPr txBox="1"/>
+          <p:nvPr/>
+        </p:nvSpPr>
+        <p:spPr>
+          <a:xfrm>
+            <a:off x="114677" y="6172611"/>
+            <a:ext cx="5532120" cy="461665"/>
+          </a:xfrm>
+          <a:prstGeom prst="rect">
+            <a:avLst/>
+          </a:prstGeom>
+          <a:noFill/>
+        </p:spPr>
+        <p:txBody>
+          <a:bodyPr wrap="square">
+            <a:spAutoFit/>
+          </a:bodyPr>
+          <a:lstStyle/>
+          <a:p>
+            <a:pPr algn="l"/>
+            <a:r>
+              <a:rPr lang="th-TH" sz="2400" dirty="0">
+                <a:latin typeface="TH SarabunPSK" panose="020B0500040200020003" pitchFamily="34" charset="-34"/>
+                <a:cs typeface="TH SarabunPSK" panose="020B0500040200020003" pitchFamily="34" charset="-34"/>
+              </a:rPr>
+              <a:t>โดย ผศ</a:t>
+            </a:r>
+            <a:r>
+              <a:rPr lang="en-US" sz="2400" dirty="0">
+                <a:latin typeface="TH SarabunPSK" panose="020B0500040200020003" pitchFamily="34" charset="-34"/>
+                <a:cs typeface="TH SarabunPSK" panose="020B0500040200020003" pitchFamily="34" charset="-34"/>
+              </a:rPr>
+              <a:t>. </a:t>
+            </a:r>
+            <a:r>
+              <a:rPr lang="th-TH" sz="2400" dirty="0">
+                <a:latin typeface="TH SarabunPSK" panose="020B0500040200020003" pitchFamily="34" charset="-34"/>
+                <a:cs typeface="TH SarabunPSK" panose="020B0500040200020003" pitchFamily="34" charset="-34"/>
+              </a:rPr>
+              <a:t>ดร</a:t>
+            </a:r>
+            <a:r>
+              <a:rPr lang="en-US" sz="2400" dirty="0">
+                <a:latin typeface="TH SarabunPSK" panose="020B0500040200020003" pitchFamily="34" charset="-34"/>
+                <a:cs typeface="TH SarabunPSK" panose="020B0500040200020003" pitchFamily="34" charset="-34"/>
+              </a:rPr>
+              <a:t>.</a:t>
+            </a:r>
+            <a:r>
+              <a:rPr lang="th-TH" sz="2400" dirty="0">
+                <a:latin typeface="TH SarabunPSK" panose="020B0500040200020003" pitchFamily="34" charset="-34"/>
+                <a:cs typeface="TH SarabunPSK" panose="020B0500040200020003" pitchFamily="34" charset="-34"/>
+              </a:rPr>
+              <a:t>ธนพงศ์ อินทระ สาขาวิชาสถิติ มหาวิทยาลัยขอนแก่น </a:t>
+            </a:r>
+          </a:p>
+        </p:txBody>
+      </p:sp>
     </p:spTree>
     <p:extLst>
       <p:ext uri="{BB962C8B-B14F-4D97-AF65-F5344CB8AC3E}">
@@ -18527,6 +19403,73 @@
           </a:p>
         </p:txBody>
       </p:sp>
+      <p:sp>
+        <p:nvSpPr>
+          <p:cNvPr id="13" name="TextBox 12">
+            <a:extLst>
+              <a:ext uri="{FF2B5EF4-FFF2-40B4-BE49-F238E27FC236}">
+                <a16:creationId xmlns:a16="http://schemas.microsoft.com/office/drawing/2014/main" id="{59074472-3E21-E241-D8A2-1BC04E15EC0A}"/>
+              </a:ext>
+            </a:extLst>
+          </p:cNvPr>
+          <p:cNvSpPr txBox="1"/>
+          <p:nvPr/>
+        </p:nvSpPr>
+        <p:spPr>
+          <a:xfrm>
+            <a:off x="114677" y="6172611"/>
+            <a:ext cx="5532120" cy="461665"/>
+          </a:xfrm>
+          <a:prstGeom prst="rect">
+            <a:avLst/>
+          </a:prstGeom>
+          <a:noFill/>
+        </p:spPr>
+        <p:txBody>
+          <a:bodyPr wrap="square">
+            <a:spAutoFit/>
+          </a:bodyPr>
+          <a:lstStyle/>
+          <a:p>
+            <a:pPr algn="l"/>
+            <a:r>
+              <a:rPr lang="th-TH" sz="2400" dirty="0">
+                <a:latin typeface="TH SarabunPSK" panose="020B0500040200020003" pitchFamily="34" charset="-34"/>
+                <a:cs typeface="TH SarabunPSK" panose="020B0500040200020003" pitchFamily="34" charset="-34"/>
+              </a:rPr>
+              <a:t>โดย ผศ</a:t>
+            </a:r>
+            <a:r>
+              <a:rPr lang="en-US" sz="2400" dirty="0">
+                <a:latin typeface="TH SarabunPSK" panose="020B0500040200020003" pitchFamily="34" charset="-34"/>
+                <a:cs typeface="TH SarabunPSK" panose="020B0500040200020003" pitchFamily="34" charset="-34"/>
+              </a:rPr>
+              <a:t>. </a:t>
+            </a:r>
+            <a:r>
+              <a:rPr lang="th-TH" sz="2400" dirty="0">
+                <a:latin typeface="TH SarabunPSK" panose="020B0500040200020003" pitchFamily="34" charset="-34"/>
+                <a:cs typeface="TH SarabunPSK" panose="020B0500040200020003" pitchFamily="34" charset="-34"/>
+              </a:rPr>
+              <a:t>ดร</a:t>
+            </a:r>
+            <a:r>
+              <a:rPr lang="en-US" sz="2400" dirty="0">
+                <a:latin typeface="TH SarabunPSK" panose="020B0500040200020003" pitchFamily="34" charset="-34"/>
+                <a:cs typeface="TH SarabunPSK" panose="020B0500040200020003" pitchFamily="34" charset="-34"/>
+              </a:rPr>
+              <a:t>.</a:t>
+            </a:r>
+            <a:r>
+              <a:rPr lang="th-TH" sz="2400" dirty="0">
+                <a:latin typeface="TH SarabunPSK" panose="020B0500040200020003" pitchFamily="34" charset="-34"/>
+                <a:cs typeface="TH SarabunPSK" panose="020B0500040200020003" pitchFamily="34" charset="-34"/>
+              </a:rPr>
+              <a:t>ธนพงศ์ อินทระ สาขาวิชาสถิติ มหาวิทยาลัยขอนแก่น </a:t>
+            </a:r>
+          </a:p>
+        </p:txBody>
+      </p:sp>
     </p:spTree>
     <p:extLst>
       <p:ext uri="{BB962C8B-B14F-4D97-AF65-F5344CB8AC3E}">
@@ -19579,6 +20522,73 @@
           </a:p>
         </p:txBody>
       </p:sp>
+      <p:sp>
+        <p:nvSpPr>
+          <p:cNvPr id="9" name="TextBox 8">
+            <a:extLst>
+              <a:ext uri="{FF2B5EF4-FFF2-40B4-BE49-F238E27FC236}">
+                <a16:creationId xmlns:a16="http://schemas.microsoft.com/office/drawing/2014/main" id="{8BE43044-336B-9B2C-0149-BFDBC699ED66}"/>
+              </a:ext>
+            </a:extLst>
+          </p:cNvPr>
+          <p:cNvSpPr txBox="1"/>
+          <p:nvPr/>
+        </p:nvSpPr>
+        <p:spPr>
+          <a:xfrm>
+            <a:off x="114677" y="6172611"/>
+            <a:ext cx="5532120" cy="461665"/>
+          </a:xfrm>
+          <a:prstGeom prst="rect">
+            <a:avLst/>
+          </a:prstGeom>
+          <a:noFill/>
+        </p:spPr>
+        <p:txBody>
+          <a:bodyPr wrap="square">
+            <a:spAutoFit/>
+          </a:bodyPr>
+          <a:lstStyle/>
+          <a:p>
+            <a:pPr algn="l"/>
+            <a:r>
+              <a:rPr lang="th-TH" sz="2400" dirty="0">
+                <a:latin typeface="TH SarabunPSK" panose="020B0500040200020003" pitchFamily="34" charset="-34"/>
+                <a:cs typeface="TH SarabunPSK" panose="020B0500040200020003" pitchFamily="34" charset="-34"/>
+              </a:rPr>
+              <a:t>โดย ผศ</a:t>
+            </a:r>
+            <a:r>
+              <a:rPr lang="en-US" sz="2400" dirty="0">
+                <a:latin typeface="TH SarabunPSK" panose="020B0500040200020003" pitchFamily="34" charset="-34"/>
+                <a:cs typeface="TH SarabunPSK" panose="020B0500040200020003" pitchFamily="34" charset="-34"/>
+              </a:rPr>
+              <a:t>. </a:t>
+            </a:r>
+            <a:r>
+              <a:rPr lang="th-TH" sz="2400" dirty="0">
+                <a:latin typeface="TH SarabunPSK" panose="020B0500040200020003" pitchFamily="34" charset="-34"/>
+                <a:cs typeface="TH SarabunPSK" panose="020B0500040200020003" pitchFamily="34" charset="-34"/>
+              </a:rPr>
+              <a:t>ดร</a:t>
+            </a:r>
+            <a:r>
+              <a:rPr lang="en-US" sz="2400" dirty="0">
+                <a:latin typeface="TH SarabunPSK" panose="020B0500040200020003" pitchFamily="34" charset="-34"/>
+                <a:cs typeface="TH SarabunPSK" panose="020B0500040200020003" pitchFamily="34" charset="-34"/>
+              </a:rPr>
+              <a:t>.</a:t>
+            </a:r>
+            <a:r>
+              <a:rPr lang="th-TH" sz="2400" dirty="0">
+                <a:latin typeface="TH SarabunPSK" panose="020B0500040200020003" pitchFamily="34" charset="-34"/>
+                <a:cs typeface="TH SarabunPSK" panose="020B0500040200020003" pitchFamily="34" charset="-34"/>
+              </a:rPr>
+              <a:t>ธนพงศ์ อินทระ สาขาวิชาสถิติ มหาวิทยาลัยขอนแก่น </a:t>
+            </a:r>
+          </a:p>
+        </p:txBody>
+      </p:sp>
     </p:spTree>
     <p:extLst>
       <p:ext uri="{BB962C8B-B14F-4D97-AF65-F5344CB8AC3E}">
@@ -20509,6 +21519,73 @@
           </a:prstGeom>
         </p:spPr>
       </p:pic>
+      <p:sp>
+        <p:nvSpPr>
+          <p:cNvPr id="10" name="TextBox 9">
+            <a:extLst>
+              <a:ext uri="{FF2B5EF4-FFF2-40B4-BE49-F238E27FC236}">
+                <a16:creationId xmlns:a16="http://schemas.microsoft.com/office/drawing/2014/main" id="{983FFF0D-33B2-1C42-0411-CE0AFB45C04D}"/>
+              </a:ext>
+            </a:extLst>
+          </p:cNvPr>
+          <p:cNvSpPr txBox="1"/>
+          <p:nvPr/>
+        </p:nvSpPr>
+        <p:spPr>
+          <a:xfrm>
+            <a:off x="114677" y="6172611"/>
+            <a:ext cx="5532120" cy="461665"/>
+          </a:xfrm>
+          <a:prstGeom prst="rect">
+            <a:avLst/>
+          </a:prstGeom>
+          <a:noFill/>
+        </p:spPr>
+        <p:txBody>
+          <a:bodyPr wrap="square">
+            <a:spAutoFit/>
+          </a:bodyPr>
+          <a:lstStyle/>
+          <a:p>
+            <a:pPr algn="l"/>
+            <a:r>
+              <a:rPr lang="th-TH" sz="2400" dirty="0">
+                <a:latin typeface="TH SarabunPSK" panose="020B0500040200020003" pitchFamily="34" charset="-34"/>
+                <a:cs typeface="TH SarabunPSK" panose="020B0500040200020003" pitchFamily="34" charset="-34"/>
+              </a:rPr>
+              <a:t>โดย ผศ</a:t>
+            </a:r>
+            <a:r>
+              <a:rPr lang="en-US" sz="2400" dirty="0">
+                <a:latin typeface="TH SarabunPSK" panose="020B0500040200020003" pitchFamily="34" charset="-34"/>
+                <a:cs typeface="TH SarabunPSK" panose="020B0500040200020003" pitchFamily="34" charset="-34"/>
+              </a:rPr>
+              <a:t>. </a:t>
+            </a:r>
+            <a:r>
+              <a:rPr lang="th-TH" sz="2400" dirty="0">
+                <a:latin typeface="TH SarabunPSK" panose="020B0500040200020003" pitchFamily="34" charset="-34"/>
+                <a:cs typeface="TH SarabunPSK" panose="020B0500040200020003" pitchFamily="34" charset="-34"/>
+              </a:rPr>
+              <a:t>ดร</a:t>
+            </a:r>
+            <a:r>
+              <a:rPr lang="en-US" sz="2400" dirty="0">
+                <a:latin typeface="TH SarabunPSK" panose="020B0500040200020003" pitchFamily="34" charset="-34"/>
+                <a:cs typeface="TH SarabunPSK" panose="020B0500040200020003" pitchFamily="34" charset="-34"/>
+              </a:rPr>
+              <a:t>.</a:t>
+            </a:r>
+            <a:r>
+              <a:rPr lang="th-TH" sz="2400" dirty="0">
+                <a:latin typeface="TH SarabunPSK" panose="020B0500040200020003" pitchFamily="34" charset="-34"/>
+                <a:cs typeface="TH SarabunPSK" panose="020B0500040200020003" pitchFamily="34" charset="-34"/>
+              </a:rPr>
+              <a:t>ธนพงศ์ อินทระ สาขาวิชาสถิติ มหาวิทยาลัยขอนแก่น </a:t>
+            </a:r>
+          </a:p>
+        </p:txBody>
+      </p:sp>
     </p:spTree>
     <p:extLst>
       <p:ext uri="{BB962C8B-B14F-4D97-AF65-F5344CB8AC3E}">
@@ -21149,6 +22226,73 @@
           </a:p>
         </p:txBody>
       </p:sp>
+      <p:sp>
+        <p:nvSpPr>
+          <p:cNvPr id="9" name="TextBox 8">
+            <a:extLst>
+              <a:ext uri="{FF2B5EF4-FFF2-40B4-BE49-F238E27FC236}">
+                <a16:creationId xmlns:a16="http://schemas.microsoft.com/office/drawing/2014/main" id="{2AD1A873-3308-C03D-8DD7-6DB25ECF512E}"/>
+              </a:ext>
+            </a:extLst>
+          </p:cNvPr>
+          <p:cNvSpPr txBox="1"/>
+          <p:nvPr/>
+        </p:nvSpPr>
+        <p:spPr>
+          <a:xfrm>
+            <a:off x="114677" y="6172611"/>
+            <a:ext cx="5532120" cy="461665"/>
+          </a:xfrm>
+          <a:prstGeom prst="rect">
+            <a:avLst/>
+          </a:prstGeom>
+          <a:noFill/>
+        </p:spPr>
+        <p:txBody>
+          <a:bodyPr wrap="square">
+            <a:spAutoFit/>
+          </a:bodyPr>
+          <a:lstStyle/>
+          <a:p>
+            <a:pPr algn="l"/>
+            <a:r>
+              <a:rPr lang="th-TH" sz="2400" dirty="0">
+                <a:latin typeface="TH SarabunPSK" panose="020B0500040200020003" pitchFamily="34" charset="-34"/>
+                <a:cs typeface="TH SarabunPSK" panose="020B0500040200020003" pitchFamily="34" charset="-34"/>
+              </a:rPr>
+              <a:t>โดย ผศ</a:t>
+            </a:r>
+            <a:r>
+              <a:rPr lang="en-US" sz="2400" dirty="0">
+                <a:latin typeface="TH SarabunPSK" panose="020B0500040200020003" pitchFamily="34" charset="-34"/>
+                <a:cs typeface="TH SarabunPSK" panose="020B0500040200020003" pitchFamily="34" charset="-34"/>
+              </a:rPr>
+              <a:t>. </a:t>
+            </a:r>
+            <a:r>
+              <a:rPr lang="th-TH" sz="2400" dirty="0">
+                <a:latin typeface="TH SarabunPSK" panose="020B0500040200020003" pitchFamily="34" charset="-34"/>
+                <a:cs typeface="TH SarabunPSK" panose="020B0500040200020003" pitchFamily="34" charset="-34"/>
+              </a:rPr>
+              <a:t>ดร</a:t>
+            </a:r>
+            <a:r>
+              <a:rPr lang="en-US" sz="2400" dirty="0">
+                <a:latin typeface="TH SarabunPSK" panose="020B0500040200020003" pitchFamily="34" charset="-34"/>
+                <a:cs typeface="TH SarabunPSK" panose="020B0500040200020003" pitchFamily="34" charset="-34"/>
+              </a:rPr>
+              <a:t>.</a:t>
+            </a:r>
+            <a:r>
+              <a:rPr lang="th-TH" sz="2400" dirty="0">
+                <a:latin typeface="TH SarabunPSK" panose="020B0500040200020003" pitchFamily="34" charset="-34"/>
+                <a:cs typeface="TH SarabunPSK" panose="020B0500040200020003" pitchFamily="34" charset="-34"/>
+              </a:rPr>
+              <a:t>ธนพงศ์ อินทระ สาขาวิชาสถิติ มหาวิทยาลัยขอนแก่น </a:t>
+            </a:r>
+          </a:p>
+        </p:txBody>
+      </p:sp>
     </p:spTree>
     <p:extLst>
       <p:ext uri="{BB962C8B-B14F-4D97-AF65-F5344CB8AC3E}">
@@ -21961,6 +23105,73 @@
           </a:prstGeom>
         </p:spPr>
       </p:pic>
+      <p:sp>
+        <p:nvSpPr>
+          <p:cNvPr id="10" name="TextBox 9">
+            <a:extLst>
+              <a:ext uri="{FF2B5EF4-FFF2-40B4-BE49-F238E27FC236}">
+                <a16:creationId xmlns:a16="http://schemas.microsoft.com/office/drawing/2014/main" id="{B5FE6B37-4144-F94F-390D-80B55E701DA8}"/>
+              </a:ext>
+            </a:extLst>
+          </p:cNvPr>
+          <p:cNvSpPr txBox="1"/>
+          <p:nvPr/>
+        </p:nvSpPr>
+        <p:spPr>
+          <a:xfrm>
+            <a:off x="114677" y="6172611"/>
+            <a:ext cx="5532120" cy="461665"/>
+          </a:xfrm>
+          <a:prstGeom prst="rect">
+            <a:avLst/>
+          </a:prstGeom>
+          <a:noFill/>
+        </p:spPr>
+        <p:txBody>
+          <a:bodyPr wrap="square">
+            <a:spAutoFit/>
+          </a:bodyPr>
+          <a:lstStyle/>
+          <a:p>
+            <a:pPr algn="l"/>
+            <a:r>
+              <a:rPr lang="th-TH" sz="2400" dirty="0">
+                <a:latin typeface="TH SarabunPSK" panose="020B0500040200020003" pitchFamily="34" charset="-34"/>
+                <a:cs typeface="TH SarabunPSK" panose="020B0500040200020003" pitchFamily="34" charset="-34"/>
+              </a:rPr>
+              <a:t>โดย ผศ</a:t>
+            </a:r>
+            <a:r>
+              <a:rPr lang="en-US" sz="2400" dirty="0">
+                <a:latin typeface="TH SarabunPSK" panose="020B0500040200020003" pitchFamily="34" charset="-34"/>
+                <a:cs typeface="TH SarabunPSK" panose="020B0500040200020003" pitchFamily="34" charset="-34"/>
+              </a:rPr>
+              <a:t>. </a:t>
+            </a:r>
+            <a:r>
+              <a:rPr lang="th-TH" sz="2400" dirty="0">
+                <a:latin typeface="TH SarabunPSK" panose="020B0500040200020003" pitchFamily="34" charset="-34"/>
+                <a:cs typeface="TH SarabunPSK" panose="020B0500040200020003" pitchFamily="34" charset="-34"/>
+              </a:rPr>
+              <a:t>ดร</a:t>
+            </a:r>
+            <a:r>
+              <a:rPr lang="en-US" sz="2400" dirty="0">
+                <a:latin typeface="TH SarabunPSK" panose="020B0500040200020003" pitchFamily="34" charset="-34"/>
+                <a:cs typeface="TH SarabunPSK" panose="020B0500040200020003" pitchFamily="34" charset="-34"/>
+              </a:rPr>
+              <a:t>.</a:t>
+            </a:r>
+            <a:r>
+              <a:rPr lang="th-TH" sz="2400" dirty="0">
+                <a:latin typeface="TH SarabunPSK" panose="020B0500040200020003" pitchFamily="34" charset="-34"/>
+                <a:cs typeface="TH SarabunPSK" panose="020B0500040200020003" pitchFamily="34" charset="-34"/>
+              </a:rPr>
+              <a:t>ธนพงศ์ อินทระ สาขาวิชาสถิติ มหาวิทยาลัยขอนแก่น </a:t>
+            </a:r>
+          </a:p>
+        </p:txBody>
+      </p:sp>
     </p:spTree>
     <p:extLst>
       <p:ext uri="{BB962C8B-B14F-4D97-AF65-F5344CB8AC3E}">
@@ -22697,6 +23908,73 @@
           </a:p>
         </p:txBody>
       </p:sp>
+      <p:sp>
+        <p:nvSpPr>
+          <p:cNvPr id="9" name="TextBox 8">
+            <a:extLst>
+              <a:ext uri="{FF2B5EF4-FFF2-40B4-BE49-F238E27FC236}">
+                <a16:creationId xmlns:a16="http://schemas.microsoft.com/office/drawing/2014/main" id="{B1044201-F888-980D-1FB6-238A958832CE}"/>
+              </a:ext>
+            </a:extLst>
+          </p:cNvPr>
+          <p:cNvSpPr txBox="1"/>
+          <p:nvPr/>
+        </p:nvSpPr>
+        <p:spPr>
+          <a:xfrm>
+            <a:off x="114677" y="6172611"/>
+            <a:ext cx="5532120" cy="461665"/>
+          </a:xfrm>
+          <a:prstGeom prst="rect">
+            <a:avLst/>
+          </a:prstGeom>
+          <a:noFill/>
+        </p:spPr>
+        <p:txBody>
+          <a:bodyPr wrap="square">
+            <a:spAutoFit/>
+          </a:bodyPr>
+          <a:lstStyle/>
+          <a:p>
+            <a:pPr algn="l"/>
+            <a:r>
+              <a:rPr lang="th-TH" sz="2400" dirty="0">
+                <a:latin typeface="TH SarabunPSK" panose="020B0500040200020003" pitchFamily="34" charset="-34"/>
+                <a:cs typeface="TH SarabunPSK" panose="020B0500040200020003" pitchFamily="34" charset="-34"/>
+              </a:rPr>
+              <a:t>โดย ผศ</a:t>
+            </a:r>
+            <a:r>
+              <a:rPr lang="en-US" sz="2400" dirty="0">
+                <a:latin typeface="TH SarabunPSK" panose="020B0500040200020003" pitchFamily="34" charset="-34"/>
+                <a:cs typeface="TH SarabunPSK" panose="020B0500040200020003" pitchFamily="34" charset="-34"/>
+              </a:rPr>
+              <a:t>. </a:t>
+            </a:r>
+            <a:r>
+              <a:rPr lang="th-TH" sz="2400" dirty="0">
+                <a:latin typeface="TH SarabunPSK" panose="020B0500040200020003" pitchFamily="34" charset="-34"/>
+                <a:cs typeface="TH SarabunPSK" panose="020B0500040200020003" pitchFamily="34" charset="-34"/>
+              </a:rPr>
+              <a:t>ดร</a:t>
+            </a:r>
+            <a:r>
+              <a:rPr lang="en-US" sz="2400" dirty="0">
+                <a:latin typeface="TH SarabunPSK" panose="020B0500040200020003" pitchFamily="34" charset="-34"/>
+                <a:cs typeface="TH SarabunPSK" panose="020B0500040200020003" pitchFamily="34" charset="-34"/>
+              </a:rPr>
+              <a:t>.</a:t>
+            </a:r>
+            <a:r>
+              <a:rPr lang="th-TH" sz="2400" dirty="0">
+                <a:latin typeface="TH SarabunPSK" panose="020B0500040200020003" pitchFamily="34" charset="-34"/>
+                <a:cs typeface="TH SarabunPSK" panose="020B0500040200020003" pitchFamily="34" charset="-34"/>
+              </a:rPr>
+              <a:t>ธนพงศ์ อินทระ สาขาวิชาสถิติ มหาวิทยาลัยขอนแก่น </a:t>
+            </a:r>
+          </a:p>
+        </p:txBody>
+      </p:sp>
     </p:spTree>
     <p:extLst>
       <p:ext uri="{BB962C8B-B14F-4D97-AF65-F5344CB8AC3E}">
@@ -23323,6 +24601,73 @@
           </a:p>
         </p:txBody>
       </p:sp>
+      <p:sp>
+        <p:nvSpPr>
+          <p:cNvPr id="9" name="TextBox 8">
+            <a:extLst>
+              <a:ext uri="{FF2B5EF4-FFF2-40B4-BE49-F238E27FC236}">
+                <a16:creationId xmlns:a16="http://schemas.microsoft.com/office/drawing/2014/main" id="{1567D8E6-9331-584D-CA6C-CDB553C214E8}"/>
+              </a:ext>
+            </a:extLst>
+          </p:cNvPr>
+          <p:cNvSpPr txBox="1"/>
+          <p:nvPr/>
+        </p:nvSpPr>
+        <p:spPr>
+          <a:xfrm>
+            <a:off x="114677" y="6172611"/>
+            <a:ext cx="5532120" cy="461665"/>
+          </a:xfrm>
+          <a:prstGeom prst="rect">
+            <a:avLst/>
+          </a:prstGeom>
+          <a:noFill/>
+        </p:spPr>
+        <p:txBody>
+          <a:bodyPr wrap="square">
+            <a:spAutoFit/>
+          </a:bodyPr>
+          <a:lstStyle/>
+          <a:p>
+            <a:pPr algn="l"/>
+            <a:r>
+              <a:rPr lang="th-TH" sz="2400" dirty="0">
+                <a:latin typeface="TH SarabunPSK" panose="020B0500040200020003" pitchFamily="34" charset="-34"/>
+                <a:cs typeface="TH SarabunPSK" panose="020B0500040200020003" pitchFamily="34" charset="-34"/>
+              </a:rPr>
+              <a:t>โดย ผศ</a:t>
+            </a:r>
+            <a:r>
+              <a:rPr lang="en-US" sz="2400" dirty="0">
+                <a:latin typeface="TH SarabunPSK" panose="020B0500040200020003" pitchFamily="34" charset="-34"/>
+                <a:cs typeface="TH SarabunPSK" panose="020B0500040200020003" pitchFamily="34" charset="-34"/>
+              </a:rPr>
+              <a:t>. </a:t>
+            </a:r>
+            <a:r>
+              <a:rPr lang="th-TH" sz="2400" dirty="0">
+                <a:latin typeface="TH SarabunPSK" panose="020B0500040200020003" pitchFamily="34" charset="-34"/>
+                <a:cs typeface="TH SarabunPSK" panose="020B0500040200020003" pitchFamily="34" charset="-34"/>
+              </a:rPr>
+              <a:t>ดร</a:t>
+            </a:r>
+            <a:r>
+              <a:rPr lang="en-US" sz="2400" dirty="0">
+                <a:latin typeface="TH SarabunPSK" panose="020B0500040200020003" pitchFamily="34" charset="-34"/>
+                <a:cs typeface="TH SarabunPSK" panose="020B0500040200020003" pitchFamily="34" charset="-34"/>
+              </a:rPr>
+              <a:t>.</a:t>
+            </a:r>
+            <a:r>
+              <a:rPr lang="th-TH" sz="2400" dirty="0">
+                <a:latin typeface="TH SarabunPSK" panose="020B0500040200020003" pitchFamily="34" charset="-34"/>
+                <a:cs typeface="TH SarabunPSK" panose="020B0500040200020003" pitchFamily="34" charset="-34"/>
+              </a:rPr>
+              <a:t>ธนพงศ์ อินทระ สาขาวิชาสถิติ มหาวิทยาลัยขอนแก่น </a:t>
+            </a:r>
+          </a:p>
+        </p:txBody>
+      </p:sp>
     </p:spTree>
     <p:extLst>
       <p:ext uri="{BB962C8B-B14F-4D97-AF65-F5344CB8AC3E}">
@@ -24178,6 +25523,73 @@
           </a:p>
         </p:txBody>
       </p:sp>
+      <p:sp>
+        <p:nvSpPr>
+          <p:cNvPr id="10" name="TextBox 9">
+            <a:extLst>
+              <a:ext uri="{FF2B5EF4-FFF2-40B4-BE49-F238E27FC236}">
+                <a16:creationId xmlns:a16="http://schemas.microsoft.com/office/drawing/2014/main" id="{09273E04-2866-2D01-BA7B-907EE3D65B3E}"/>
+              </a:ext>
+            </a:extLst>
+          </p:cNvPr>
+          <p:cNvSpPr txBox="1"/>
+          <p:nvPr/>
+        </p:nvSpPr>
+        <p:spPr>
+          <a:xfrm>
+            <a:off x="114677" y="6172611"/>
+            <a:ext cx="5532120" cy="461665"/>
+          </a:xfrm>
+          <a:prstGeom prst="rect">
+            <a:avLst/>
+          </a:prstGeom>
+          <a:noFill/>
+        </p:spPr>
+        <p:txBody>
+          <a:bodyPr wrap="square">
+            <a:spAutoFit/>
+          </a:bodyPr>
+          <a:lstStyle/>
+          <a:p>
+            <a:pPr algn="l"/>
+            <a:r>
+              <a:rPr lang="th-TH" sz="2400" dirty="0">
+                <a:latin typeface="TH SarabunPSK" panose="020B0500040200020003" pitchFamily="34" charset="-34"/>
+                <a:cs typeface="TH SarabunPSK" panose="020B0500040200020003" pitchFamily="34" charset="-34"/>
+              </a:rPr>
+              <a:t>โดย ผศ</a:t>
+            </a:r>
+            <a:r>
+              <a:rPr lang="en-US" sz="2400" dirty="0">
+                <a:latin typeface="TH SarabunPSK" panose="020B0500040200020003" pitchFamily="34" charset="-34"/>
+                <a:cs typeface="TH SarabunPSK" panose="020B0500040200020003" pitchFamily="34" charset="-34"/>
+              </a:rPr>
+              <a:t>. </a:t>
+            </a:r>
+            <a:r>
+              <a:rPr lang="th-TH" sz="2400" dirty="0">
+                <a:latin typeface="TH SarabunPSK" panose="020B0500040200020003" pitchFamily="34" charset="-34"/>
+                <a:cs typeface="TH SarabunPSK" panose="020B0500040200020003" pitchFamily="34" charset="-34"/>
+              </a:rPr>
+              <a:t>ดร</a:t>
+            </a:r>
+            <a:r>
+              <a:rPr lang="en-US" sz="2400" dirty="0">
+                <a:latin typeface="TH SarabunPSK" panose="020B0500040200020003" pitchFamily="34" charset="-34"/>
+                <a:cs typeface="TH SarabunPSK" panose="020B0500040200020003" pitchFamily="34" charset="-34"/>
+              </a:rPr>
+              <a:t>.</a:t>
+            </a:r>
+            <a:r>
+              <a:rPr lang="th-TH" sz="2400" dirty="0">
+                <a:latin typeface="TH SarabunPSK" panose="020B0500040200020003" pitchFamily="34" charset="-34"/>
+                <a:cs typeface="TH SarabunPSK" panose="020B0500040200020003" pitchFamily="34" charset="-34"/>
+              </a:rPr>
+              <a:t>ธนพงศ์ อินทระ สาขาวิชาสถิติ มหาวิทยาลัยขอนแก่น </a:t>
+            </a:r>
+          </a:p>
+        </p:txBody>
+      </p:sp>
     </p:spTree>
     <p:extLst>
       <p:ext uri="{BB962C8B-B14F-4D97-AF65-F5344CB8AC3E}">
@@ -25063,6 +26475,73 @@
           </a:p>
         </p:txBody>
       </p:sp>
+      <p:sp>
+        <p:nvSpPr>
+          <p:cNvPr id="10" name="TextBox 9">
+            <a:extLst>
+              <a:ext uri="{FF2B5EF4-FFF2-40B4-BE49-F238E27FC236}">
+                <a16:creationId xmlns:a16="http://schemas.microsoft.com/office/drawing/2014/main" id="{2C433308-4A89-BBFE-EA3F-C3C45409D7C2}"/>
+              </a:ext>
+            </a:extLst>
+          </p:cNvPr>
+          <p:cNvSpPr txBox="1"/>
+          <p:nvPr/>
+        </p:nvSpPr>
+        <p:spPr>
+          <a:xfrm>
+            <a:off x="114677" y="6172611"/>
+            <a:ext cx="5532120" cy="461665"/>
+          </a:xfrm>
+          <a:prstGeom prst="rect">
+            <a:avLst/>
+          </a:prstGeom>
+          <a:noFill/>
+        </p:spPr>
+        <p:txBody>
+          <a:bodyPr wrap="square">
+            <a:spAutoFit/>
+          </a:bodyPr>
+          <a:lstStyle/>
+          <a:p>
+            <a:pPr algn="l"/>
+            <a:r>
+              <a:rPr lang="th-TH" sz="2400" dirty="0">
+                <a:latin typeface="TH SarabunPSK" panose="020B0500040200020003" pitchFamily="34" charset="-34"/>
+                <a:cs typeface="TH SarabunPSK" panose="020B0500040200020003" pitchFamily="34" charset="-34"/>
+              </a:rPr>
+              <a:t>โดย ผศ</a:t>
+            </a:r>
+            <a:r>
+              <a:rPr lang="en-US" sz="2400" dirty="0">
+                <a:latin typeface="TH SarabunPSK" panose="020B0500040200020003" pitchFamily="34" charset="-34"/>
+                <a:cs typeface="TH SarabunPSK" panose="020B0500040200020003" pitchFamily="34" charset="-34"/>
+              </a:rPr>
+              <a:t>. </a:t>
+            </a:r>
+            <a:r>
+              <a:rPr lang="th-TH" sz="2400" dirty="0">
+                <a:latin typeface="TH SarabunPSK" panose="020B0500040200020003" pitchFamily="34" charset="-34"/>
+                <a:cs typeface="TH SarabunPSK" panose="020B0500040200020003" pitchFamily="34" charset="-34"/>
+              </a:rPr>
+              <a:t>ดร</a:t>
+            </a:r>
+            <a:r>
+              <a:rPr lang="en-US" sz="2400" dirty="0">
+                <a:latin typeface="TH SarabunPSK" panose="020B0500040200020003" pitchFamily="34" charset="-34"/>
+                <a:cs typeface="TH SarabunPSK" panose="020B0500040200020003" pitchFamily="34" charset="-34"/>
+              </a:rPr>
+              <a:t>.</a:t>
+            </a:r>
+            <a:r>
+              <a:rPr lang="th-TH" sz="2400" dirty="0">
+                <a:latin typeface="TH SarabunPSK" panose="020B0500040200020003" pitchFamily="34" charset="-34"/>
+                <a:cs typeface="TH SarabunPSK" panose="020B0500040200020003" pitchFamily="34" charset="-34"/>
+              </a:rPr>
+              <a:t>ธนพงศ์ อินทระ สาขาวิชาสถิติ มหาวิทยาลัยขอนแก่น </a:t>
+            </a:r>
+          </a:p>
+        </p:txBody>
+      </p:sp>
     </p:spTree>
     <p:extLst>
       <p:ext uri="{BB962C8B-B14F-4D97-AF65-F5344CB8AC3E}">
@@ -25923,6 +27402,73 @@
           </a:p>
         </p:txBody>
       </p:sp>
+      <p:sp>
+        <p:nvSpPr>
+          <p:cNvPr id="10" name="TextBox 9">
+            <a:extLst>
+              <a:ext uri="{FF2B5EF4-FFF2-40B4-BE49-F238E27FC236}">
+                <a16:creationId xmlns:a16="http://schemas.microsoft.com/office/drawing/2014/main" id="{8AA9FDE7-9DD6-0F8B-1B06-E2ECE5BEE838}"/>
+              </a:ext>
+            </a:extLst>
+          </p:cNvPr>
+          <p:cNvSpPr txBox="1"/>
+          <p:nvPr/>
+        </p:nvSpPr>
+        <p:spPr>
+          <a:xfrm>
+            <a:off x="114677" y="6172611"/>
+            <a:ext cx="5532120" cy="461665"/>
+          </a:xfrm>
+          <a:prstGeom prst="rect">
+            <a:avLst/>
+          </a:prstGeom>
+          <a:noFill/>
+        </p:spPr>
+        <p:txBody>
+          <a:bodyPr wrap="square">
+            <a:spAutoFit/>
+          </a:bodyPr>
+          <a:lstStyle/>
+          <a:p>
+            <a:pPr algn="l"/>
+            <a:r>
+              <a:rPr lang="th-TH" sz="2400" dirty="0">
+                <a:latin typeface="TH SarabunPSK" panose="020B0500040200020003" pitchFamily="34" charset="-34"/>
+                <a:cs typeface="TH SarabunPSK" panose="020B0500040200020003" pitchFamily="34" charset="-34"/>
+              </a:rPr>
+              <a:t>โดย ผศ</a:t>
+            </a:r>
+            <a:r>
+              <a:rPr lang="en-US" sz="2400" dirty="0">
+                <a:latin typeface="TH SarabunPSK" panose="020B0500040200020003" pitchFamily="34" charset="-34"/>
+                <a:cs typeface="TH SarabunPSK" panose="020B0500040200020003" pitchFamily="34" charset="-34"/>
+              </a:rPr>
+              <a:t>. </a:t>
+            </a:r>
+            <a:r>
+              <a:rPr lang="th-TH" sz="2400" dirty="0">
+                <a:latin typeface="TH SarabunPSK" panose="020B0500040200020003" pitchFamily="34" charset="-34"/>
+                <a:cs typeface="TH SarabunPSK" panose="020B0500040200020003" pitchFamily="34" charset="-34"/>
+              </a:rPr>
+              <a:t>ดร</a:t>
+            </a:r>
+            <a:r>
+              <a:rPr lang="en-US" sz="2400" dirty="0">
+                <a:latin typeface="TH SarabunPSK" panose="020B0500040200020003" pitchFamily="34" charset="-34"/>
+                <a:cs typeface="TH SarabunPSK" panose="020B0500040200020003" pitchFamily="34" charset="-34"/>
+              </a:rPr>
+              <a:t>.</a:t>
+            </a:r>
+            <a:r>
+              <a:rPr lang="th-TH" sz="2400" dirty="0">
+                <a:latin typeface="TH SarabunPSK" panose="020B0500040200020003" pitchFamily="34" charset="-34"/>
+                <a:cs typeface="TH SarabunPSK" panose="020B0500040200020003" pitchFamily="34" charset="-34"/>
+              </a:rPr>
+              <a:t>ธนพงศ์ อินทระ สาขาวิชาสถิติ มหาวิทยาลัยขอนแก่น </a:t>
+            </a:r>
+          </a:p>
+        </p:txBody>
+      </p:sp>
     </p:spTree>
     <p:extLst>
       <p:ext uri="{BB962C8B-B14F-4D97-AF65-F5344CB8AC3E}">
@@ -26959,6 +28505,73 @@
           </a:p>
           <a:p>
             <a:endParaRPr lang="en-US" dirty="0"/>
+          </a:p>
+        </p:txBody>
+      </p:sp>
+      <p:sp>
+        <p:nvSpPr>
+          <p:cNvPr id="9" name="TextBox 8">
+            <a:extLst>
+              <a:ext uri="{FF2B5EF4-FFF2-40B4-BE49-F238E27FC236}">
+                <a16:creationId xmlns:a16="http://schemas.microsoft.com/office/drawing/2014/main" id="{B63979FD-2904-274C-451F-8815E6A84D5C}"/>
+              </a:ext>
+            </a:extLst>
+          </p:cNvPr>
+          <p:cNvSpPr txBox="1"/>
+          <p:nvPr/>
+        </p:nvSpPr>
+        <p:spPr>
+          <a:xfrm>
+            <a:off x="114677" y="6172611"/>
+            <a:ext cx="5532120" cy="461665"/>
+          </a:xfrm>
+          <a:prstGeom prst="rect">
+            <a:avLst/>
+          </a:prstGeom>
+          <a:noFill/>
+        </p:spPr>
+        <p:txBody>
+          <a:bodyPr wrap="square">
+            <a:spAutoFit/>
+          </a:bodyPr>
+          <a:lstStyle/>
+          <a:p>
+            <a:pPr algn="l"/>
+            <a:r>
+              <a:rPr lang="th-TH" sz="2400" dirty="0">
+                <a:latin typeface="TH SarabunPSK" panose="020B0500040200020003" pitchFamily="34" charset="-34"/>
+                <a:cs typeface="TH SarabunPSK" panose="020B0500040200020003" pitchFamily="34" charset="-34"/>
+              </a:rPr>
+              <a:t>โดย ผศ</a:t>
+            </a:r>
+            <a:r>
+              <a:rPr lang="en-US" sz="2400" dirty="0">
+                <a:latin typeface="TH SarabunPSK" panose="020B0500040200020003" pitchFamily="34" charset="-34"/>
+                <a:cs typeface="TH SarabunPSK" panose="020B0500040200020003" pitchFamily="34" charset="-34"/>
+              </a:rPr>
+              <a:t>. </a:t>
+            </a:r>
+            <a:r>
+              <a:rPr lang="th-TH" sz="2400" dirty="0">
+                <a:latin typeface="TH SarabunPSK" panose="020B0500040200020003" pitchFamily="34" charset="-34"/>
+                <a:cs typeface="TH SarabunPSK" panose="020B0500040200020003" pitchFamily="34" charset="-34"/>
+              </a:rPr>
+              <a:t>ดร</a:t>
+            </a:r>
+            <a:r>
+              <a:rPr lang="en-US" sz="2400" dirty="0">
+                <a:latin typeface="TH SarabunPSK" panose="020B0500040200020003" pitchFamily="34" charset="-34"/>
+                <a:cs typeface="TH SarabunPSK" panose="020B0500040200020003" pitchFamily="34" charset="-34"/>
+              </a:rPr>
+              <a:t>.</a:t>
+            </a:r>
+            <a:r>
+              <a:rPr lang="th-TH" sz="2400" dirty="0">
+                <a:latin typeface="TH SarabunPSK" panose="020B0500040200020003" pitchFamily="34" charset="-34"/>
+                <a:cs typeface="TH SarabunPSK" panose="020B0500040200020003" pitchFamily="34" charset="-34"/>
+              </a:rPr>
+              <a:t>ธนพงศ์ อินทระ สาขาวิชาสถิติ มหาวิทยาลัยขอนแก่น </a:t>
+            </a:r>
           </a:p>
         </p:txBody>
       </p:sp>
